--- a/08_wechat_hik_v1/wechat.pptx
+++ b/08_wechat_hik_v1/wechat.pptx
@@ -5,21 +5,21 @@
     <p:sldMasterId id="2147483648" r:id="rId1"/>
   </p:sldMasterIdLst>
   <p:sldIdLst>
-    <p:sldId id="265" r:id="rId2"/>
-    <p:sldId id="256" r:id="rId3"/>
-    <p:sldId id="268" r:id="rId4"/>
-    <p:sldId id="270" r:id="rId5"/>
-    <p:sldId id="263" r:id="rId6"/>
-    <p:sldId id="267" r:id="rId7"/>
-    <p:sldId id="261" r:id="rId8"/>
-    <p:sldId id="258" r:id="rId9"/>
-    <p:sldId id="260" r:id="rId10"/>
-    <p:sldId id="271" r:id="rId11"/>
+    <p:sldId id="265" r:id="rId3"/>
+    <p:sldId id="256" r:id="rId4"/>
+    <p:sldId id="268" r:id="rId5"/>
+    <p:sldId id="270" r:id="rId6"/>
+    <p:sldId id="263" r:id="rId7"/>
+    <p:sldId id="267" r:id="rId8"/>
+    <p:sldId id="261" r:id="rId9"/>
+    <p:sldId id="258" r:id="rId10"/>
+    <p:sldId id="260" r:id="rId11"/>
+    <p:sldId id="271" r:id="rId12"/>
   </p:sldIdLst>
   <p:sldSz cx="12192000" cy="6858000"/>
   <p:notesSz cx="6858000" cy="9144000"/>
   <p:custDataLst>
-    <p:tags r:id="rId12"/>
+    <p:tags r:id="rId16"/>
   </p:custDataLst>
   <p:defaultTextStyle>
     <a:defPPr>
@@ -116,11 +116,6 @@
       </a:defRPr>
     </a:lvl9pPr>
   </p:defaultTextStyle>
-  <p:extLst>
-    <p:ext uri="{EFAFB233-063F-42B5-8137-9DF3F51BA10A}">
-      <p15:sldGuideLst xmlns:p15="http://schemas.microsoft.com/office/powerpoint/2012/main"/>
-    </p:ext>
-  </p:extLst>
 </p:presentation>
 </file>
 
@@ -255,7 +250,6 @@
           <a:p>
             <a:fld id="{D997B5FA-0921-464F-AAE1-844C04324D75}" type="datetimeFigureOut">
               <a:rPr lang="zh-CN" altLang="en-US" smtClean="0"/>
-              <a:t>2024/7/11</a:t>
             </a:fld>
             <a:endParaRPr lang="zh-CN" altLang="en-US"/>
           </a:p>
@@ -297,7 +291,6 @@
           <a:p>
             <a:fld id="{565CE74E-AB26-4998-AD42-012C4C1AD076}" type="slidenum">
               <a:rPr lang="zh-CN" altLang="en-US" smtClean="0"/>
-              <a:t>‹#›</a:t>
             </a:fld>
             <a:endParaRPr lang="zh-CN" altLang="en-US"/>
           </a:p>
@@ -371,6 +364,7 @@
               <a:rPr lang="zh-CN" altLang="en-US" smtClean="0"/>
               <a:t>单击此处编辑母版文本样式</a:t>
             </a:r>
+            <a:endParaRPr lang="zh-CN" altLang="en-US" smtClean="0"/>
           </a:p>
           <a:p>
             <a:pPr lvl="1"/>
@@ -378,6 +372,7 @@
               <a:rPr lang="zh-CN" altLang="en-US" smtClean="0"/>
               <a:t>第二级</a:t>
             </a:r>
+            <a:endParaRPr lang="zh-CN" altLang="en-US" smtClean="0"/>
           </a:p>
           <a:p>
             <a:pPr lvl="2"/>
@@ -385,6 +380,7 @@
               <a:rPr lang="zh-CN" altLang="en-US" smtClean="0"/>
               <a:t>第三级</a:t>
             </a:r>
+            <a:endParaRPr lang="zh-CN" altLang="en-US" smtClean="0"/>
           </a:p>
           <a:p>
             <a:pPr lvl="3"/>
@@ -392,6 +388,7 @@
               <a:rPr lang="zh-CN" altLang="en-US" smtClean="0"/>
               <a:t>第四级</a:t>
             </a:r>
+            <a:endParaRPr lang="zh-CN" altLang="en-US" smtClean="0"/>
           </a:p>
           <a:p>
             <a:pPr lvl="4"/>
@@ -420,7 +417,6 @@
           <a:p>
             <a:fld id="{D997B5FA-0921-464F-AAE1-844C04324D75}" type="datetimeFigureOut">
               <a:rPr lang="zh-CN" altLang="en-US" smtClean="0"/>
-              <a:t>2024/7/11</a:t>
             </a:fld>
             <a:endParaRPr lang="zh-CN" altLang="en-US"/>
           </a:p>
@@ -462,7 +458,6 @@
           <a:p>
             <a:fld id="{565CE74E-AB26-4998-AD42-012C4C1AD076}" type="slidenum">
               <a:rPr lang="zh-CN" altLang="en-US" smtClean="0"/>
-              <a:t>‹#›</a:t>
             </a:fld>
             <a:endParaRPr lang="zh-CN" altLang="en-US"/>
           </a:p>
@@ -546,6 +541,7 @@
               <a:rPr lang="zh-CN" altLang="en-US" smtClean="0"/>
               <a:t>单击此处编辑母版文本样式</a:t>
             </a:r>
+            <a:endParaRPr lang="zh-CN" altLang="en-US" smtClean="0"/>
           </a:p>
           <a:p>
             <a:pPr lvl="1"/>
@@ -553,6 +549,7 @@
               <a:rPr lang="zh-CN" altLang="en-US" smtClean="0"/>
               <a:t>第二级</a:t>
             </a:r>
+            <a:endParaRPr lang="zh-CN" altLang="en-US" smtClean="0"/>
           </a:p>
           <a:p>
             <a:pPr lvl="2"/>
@@ -560,6 +557,7 @@
               <a:rPr lang="zh-CN" altLang="en-US" smtClean="0"/>
               <a:t>第三级</a:t>
             </a:r>
+            <a:endParaRPr lang="zh-CN" altLang="en-US" smtClean="0"/>
           </a:p>
           <a:p>
             <a:pPr lvl="3"/>
@@ -567,6 +565,7 @@
               <a:rPr lang="zh-CN" altLang="en-US" smtClean="0"/>
               <a:t>第四级</a:t>
             </a:r>
+            <a:endParaRPr lang="zh-CN" altLang="en-US" smtClean="0"/>
           </a:p>
           <a:p>
             <a:pPr lvl="4"/>
@@ -595,7 +594,6 @@
           <a:p>
             <a:fld id="{D997B5FA-0921-464F-AAE1-844C04324D75}" type="datetimeFigureOut">
               <a:rPr lang="zh-CN" altLang="en-US" smtClean="0"/>
-              <a:t>2024/7/11</a:t>
             </a:fld>
             <a:endParaRPr lang="zh-CN" altLang="en-US"/>
           </a:p>
@@ -637,7 +635,6 @@
           <a:p>
             <a:fld id="{565CE74E-AB26-4998-AD42-012C4C1AD076}" type="slidenum">
               <a:rPr lang="zh-CN" altLang="en-US" smtClean="0"/>
-              <a:t>‹#›</a:t>
             </a:fld>
             <a:endParaRPr lang="zh-CN" altLang="en-US"/>
           </a:p>
@@ -711,6 +708,7 @@
               <a:rPr lang="zh-CN" altLang="en-US" smtClean="0"/>
               <a:t>单击此处编辑母版文本样式</a:t>
             </a:r>
+            <a:endParaRPr lang="zh-CN" altLang="en-US" smtClean="0"/>
           </a:p>
           <a:p>
             <a:pPr lvl="1"/>
@@ -718,6 +716,7 @@
               <a:rPr lang="zh-CN" altLang="en-US" smtClean="0"/>
               <a:t>第二级</a:t>
             </a:r>
+            <a:endParaRPr lang="zh-CN" altLang="en-US" smtClean="0"/>
           </a:p>
           <a:p>
             <a:pPr lvl="2"/>
@@ -725,6 +724,7 @@
               <a:rPr lang="zh-CN" altLang="en-US" smtClean="0"/>
               <a:t>第三级</a:t>
             </a:r>
+            <a:endParaRPr lang="zh-CN" altLang="en-US" smtClean="0"/>
           </a:p>
           <a:p>
             <a:pPr lvl="3"/>
@@ -732,6 +732,7 @@
               <a:rPr lang="zh-CN" altLang="en-US" smtClean="0"/>
               <a:t>第四级</a:t>
             </a:r>
+            <a:endParaRPr lang="zh-CN" altLang="en-US" smtClean="0"/>
           </a:p>
           <a:p>
             <a:pPr lvl="4"/>
@@ -760,7 +761,6 @@
           <a:p>
             <a:fld id="{D997B5FA-0921-464F-AAE1-844C04324D75}" type="datetimeFigureOut">
               <a:rPr lang="zh-CN" altLang="en-US" smtClean="0"/>
-              <a:t>2024/7/11</a:t>
             </a:fld>
             <a:endParaRPr lang="zh-CN" altLang="en-US"/>
           </a:p>
@@ -802,7 +802,6 @@
           <a:p>
             <a:fld id="{565CE74E-AB26-4998-AD42-012C4C1AD076}" type="slidenum">
               <a:rPr lang="zh-CN" altLang="en-US" smtClean="0"/>
-              <a:t>‹#›</a:t>
             </a:fld>
             <a:endParaRPr lang="zh-CN" altLang="en-US"/>
           </a:p>
@@ -981,6 +980,7 @@
               <a:rPr lang="zh-CN" altLang="en-US" smtClean="0"/>
               <a:t>单击此处编辑母版文本样式</a:t>
             </a:r>
+            <a:endParaRPr lang="zh-CN" altLang="en-US" smtClean="0"/>
           </a:p>
         </p:txBody>
       </p:sp>
@@ -1001,7 +1001,6 @@
           <a:p>
             <a:fld id="{D997B5FA-0921-464F-AAE1-844C04324D75}" type="datetimeFigureOut">
               <a:rPr lang="zh-CN" altLang="en-US" smtClean="0"/>
-              <a:t>2024/7/11</a:t>
             </a:fld>
             <a:endParaRPr lang="zh-CN" altLang="en-US"/>
           </a:p>
@@ -1043,7 +1042,6 @@
           <a:p>
             <a:fld id="{565CE74E-AB26-4998-AD42-012C4C1AD076}" type="slidenum">
               <a:rPr lang="zh-CN" altLang="en-US" smtClean="0"/>
-              <a:t>‹#›</a:t>
             </a:fld>
             <a:endParaRPr lang="zh-CN" altLang="en-US"/>
           </a:p>
@@ -1122,6 +1120,7 @@
               <a:rPr lang="zh-CN" altLang="en-US" smtClean="0"/>
               <a:t>单击此处编辑母版文本样式</a:t>
             </a:r>
+            <a:endParaRPr lang="zh-CN" altLang="en-US" smtClean="0"/>
           </a:p>
           <a:p>
             <a:pPr lvl="1"/>
@@ -1129,6 +1128,7 @@
               <a:rPr lang="zh-CN" altLang="en-US" smtClean="0"/>
               <a:t>第二级</a:t>
             </a:r>
+            <a:endParaRPr lang="zh-CN" altLang="en-US" smtClean="0"/>
           </a:p>
           <a:p>
             <a:pPr lvl="2"/>
@@ -1136,6 +1136,7 @@
               <a:rPr lang="zh-CN" altLang="en-US" smtClean="0"/>
               <a:t>第三级</a:t>
             </a:r>
+            <a:endParaRPr lang="zh-CN" altLang="en-US" smtClean="0"/>
           </a:p>
           <a:p>
             <a:pPr lvl="3"/>
@@ -1143,6 +1144,7 @@
               <a:rPr lang="zh-CN" altLang="en-US" smtClean="0"/>
               <a:t>第四级</a:t>
             </a:r>
+            <a:endParaRPr lang="zh-CN" altLang="en-US" smtClean="0"/>
           </a:p>
           <a:p>
             <a:pPr lvl="4"/>
@@ -1179,6 +1181,7 @@
               <a:rPr lang="zh-CN" altLang="en-US" smtClean="0"/>
               <a:t>单击此处编辑母版文本样式</a:t>
             </a:r>
+            <a:endParaRPr lang="zh-CN" altLang="en-US" smtClean="0"/>
           </a:p>
           <a:p>
             <a:pPr lvl="1"/>
@@ -1186,6 +1189,7 @@
               <a:rPr lang="zh-CN" altLang="en-US" smtClean="0"/>
               <a:t>第二级</a:t>
             </a:r>
+            <a:endParaRPr lang="zh-CN" altLang="en-US" smtClean="0"/>
           </a:p>
           <a:p>
             <a:pPr lvl="2"/>
@@ -1193,6 +1197,7 @@
               <a:rPr lang="zh-CN" altLang="en-US" smtClean="0"/>
               <a:t>第三级</a:t>
             </a:r>
+            <a:endParaRPr lang="zh-CN" altLang="en-US" smtClean="0"/>
           </a:p>
           <a:p>
             <a:pPr lvl="3"/>
@@ -1200,6 +1205,7 @@
               <a:rPr lang="zh-CN" altLang="en-US" smtClean="0"/>
               <a:t>第四级</a:t>
             </a:r>
+            <a:endParaRPr lang="zh-CN" altLang="en-US" smtClean="0"/>
           </a:p>
           <a:p>
             <a:pPr lvl="4"/>
@@ -1228,7 +1234,6 @@
           <a:p>
             <a:fld id="{D997B5FA-0921-464F-AAE1-844C04324D75}" type="datetimeFigureOut">
               <a:rPr lang="zh-CN" altLang="en-US" smtClean="0"/>
-              <a:t>2024/7/11</a:t>
             </a:fld>
             <a:endParaRPr lang="zh-CN" altLang="en-US"/>
           </a:p>
@@ -1270,7 +1275,6 @@
           <a:p>
             <a:fld id="{565CE74E-AB26-4998-AD42-012C4C1AD076}" type="slidenum">
               <a:rPr lang="zh-CN" altLang="en-US" smtClean="0"/>
-              <a:t>‹#›</a:t>
             </a:fld>
             <a:endParaRPr lang="zh-CN" altLang="en-US"/>
           </a:p>
@@ -1391,6 +1395,7 @@
               <a:rPr lang="zh-CN" altLang="en-US" smtClean="0"/>
               <a:t>单击此处编辑母版文本样式</a:t>
             </a:r>
+            <a:endParaRPr lang="zh-CN" altLang="en-US" smtClean="0"/>
           </a:p>
         </p:txBody>
       </p:sp>
@@ -1419,6 +1424,7 @@
               <a:rPr lang="zh-CN" altLang="en-US" smtClean="0"/>
               <a:t>单击此处编辑母版文本样式</a:t>
             </a:r>
+            <a:endParaRPr lang="zh-CN" altLang="en-US" smtClean="0"/>
           </a:p>
           <a:p>
             <a:pPr lvl="1"/>
@@ -1426,6 +1432,7 @@
               <a:rPr lang="zh-CN" altLang="en-US" smtClean="0"/>
               <a:t>第二级</a:t>
             </a:r>
+            <a:endParaRPr lang="zh-CN" altLang="en-US" smtClean="0"/>
           </a:p>
           <a:p>
             <a:pPr lvl="2"/>
@@ -1433,6 +1440,7 @@
               <a:rPr lang="zh-CN" altLang="en-US" smtClean="0"/>
               <a:t>第三级</a:t>
             </a:r>
+            <a:endParaRPr lang="zh-CN" altLang="en-US" smtClean="0"/>
           </a:p>
           <a:p>
             <a:pPr lvl="3"/>
@@ -1440,6 +1448,7 @@
               <a:rPr lang="zh-CN" altLang="en-US" smtClean="0"/>
               <a:t>第四级</a:t>
             </a:r>
+            <a:endParaRPr lang="zh-CN" altLang="en-US" smtClean="0"/>
           </a:p>
           <a:p>
             <a:pPr lvl="4"/>
@@ -1513,6 +1522,7 @@
               <a:rPr lang="zh-CN" altLang="en-US" smtClean="0"/>
               <a:t>单击此处编辑母版文本样式</a:t>
             </a:r>
+            <a:endParaRPr lang="zh-CN" altLang="en-US" smtClean="0"/>
           </a:p>
         </p:txBody>
       </p:sp>
@@ -1541,6 +1551,7 @@
               <a:rPr lang="zh-CN" altLang="en-US" smtClean="0"/>
               <a:t>单击此处编辑母版文本样式</a:t>
             </a:r>
+            <a:endParaRPr lang="zh-CN" altLang="en-US" smtClean="0"/>
           </a:p>
           <a:p>
             <a:pPr lvl="1"/>
@@ -1548,6 +1559,7 @@
               <a:rPr lang="zh-CN" altLang="en-US" smtClean="0"/>
               <a:t>第二级</a:t>
             </a:r>
+            <a:endParaRPr lang="zh-CN" altLang="en-US" smtClean="0"/>
           </a:p>
           <a:p>
             <a:pPr lvl="2"/>
@@ -1555,6 +1567,7 @@
               <a:rPr lang="zh-CN" altLang="en-US" smtClean="0"/>
               <a:t>第三级</a:t>
             </a:r>
+            <a:endParaRPr lang="zh-CN" altLang="en-US" smtClean="0"/>
           </a:p>
           <a:p>
             <a:pPr lvl="3"/>
@@ -1562,6 +1575,7 @@
               <a:rPr lang="zh-CN" altLang="en-US" smtClean="0"/>
               <a:t>第四级</a:t>
             </a:r>
+            <a:endParaRPr lang="zh-CN" altLang="en-US" smtClean="0"/>
           </a:p>
           <a:p>
             <a:pPr lvl="4"/>
@@ -1590,7 +1604,6 @@
           <a:p>
             <a:fld id="{D997B5FA-0921-464F-AAE1-844C04324D75}" type="datetimeFigureOut">
               <a:rPr lang="zh-CN" altLang="en-US" smtClean="0"/>
-              <a:t>2024/7/11</a:t>
             </a:fld>
             <a:endParaRPr lang="zh-CN" altLang="en-US"/>
           </a:p>
@@ -1632,7 +1645,6 @@
           <a:p>
             <a:fld id="{565CE74E-AB26-4998-AD42-012C4C1AD076}" type="slidenum">
               <a:rPr lang="zh-CN" altLang="en-US" smtClean="0"/>
-              <a:t>‹#›</a:t>
             </a:fld>
             <a:endParaRPr lang="zh-CN" altLang="en-US"/>
           </a:p>
@@ -1703,7 +1715,6 @@
           <a:p>
             <a:fld id="{D997B5FA-0921-464F-AAE1-844C04324D75}" type="datetimeFigureOut">
               <a:rPr lang="zh-CN" altLang="en-US" smtClean="0"/>
-              <a:t>2024/7/11</a:t>
             </a:fld>
             <a:endParaRPr lang="zh-CN" altLang="en-US"/>
           </a:p>
@@ -1745,7 +1756,6 @@
           <a:p>
             <a:fld id="{565CE74E-AB26-4998-AD42-012C4C1AD076}" type="slidenum">
               <a:rPr lang="zh-CN" altLang="en-US" smtClean="0"/>
-              <a:t>‹#›</a:t>
             </a:fld>
             <a:endParaRPr lang="zh-CN" altLang="en-US"/>
           </a:p>
@@ -1793,7 +1803,6 @@
           <a:p>
             <a:fld id="{D997B5FA-0921-464F-AAE1-844C04324D75}" type="datetimeFigureOut">
               <a:rPr lang="zh-CN" altLang="en-US" smtClean="0"/>
-              <a:t>2024/7/11</a:t>
             </a:fld>
             <a:endParaRPr lang="zh-CN" altLang="en-US"/>
           </a:p>
@@ -1835,7 +1844,6 @@
           <a:p>
             <a:fld id="{565CE74E-AB26-4998-AD42-012C4C1AD076}" type="slidenum">
               <a:rPr lang="zh-CN" altLang="en-US" smtClean="0"/>
-              <a:t>‹#›</a:t>
             </a:fld>
             <a:endParaRPr lang="zh-CN" altLang="en-US"/>
           </a:p>
@@ -1951,6 +1959,7 @@
               <a:rPr lang="zh-CN" altLang="en-US" smtClean="0"/>
               <a:t>单击此处编辑母版文本样式</a:t>
             </a:r>
+            <a:endParaRPr lang="zh-CN" altLang="en-US" smtClean="0"/>
           </a:p>
           <a:p>
             <a:pPr lvl="1"/>
@@ -1958,6 +1967,7 @@
               <a:rPr lang="zh-CN" altLang="en-US" smtClean="0"/>
               <a:t>第二级</a:t>
             </a:r>
+            <a:endParaRPr lang="zh-CN" altLang="en-US" smtClean="0"/>
           </a:p>
           <a:p>
             <a:pPr lvl="2"/>
@@ -1965,6 +1975,7 @@
               <a:rPr lang="zh-CN" altLang="en-US" smtClean="0"/>
               <a:t>第三级</a:t>
             </a:r>
+            <a:endParaRPr lang="zh-CN" altLang="en-US" smtClean="0"/>
           </a:p>
           <a:p>
             <a:pPr lvl="3"/>
@@ -1972,6 +1983,7 @@
               <a:rPr lang="zh-CN" altLang="en-US" smtClean="0"/>
               <a:t>第四级</a:t>
             </a:r>
+            <a:endParaRPr lang="zh-CN" altLang="en-US" smtClean="0"/>
           </a:p>
           <a:p>
             <a:pPr lvl="4"/>
@@ -2045,6 +2057,7 @@
               <a:rPr lang="zh-CN" altLang="en-US" smtClean="0"/>
               <a:t>单击此处编辑母版文本样式</a:t>
             </a:r>
+            <a:endParaRPr lang="zh-CN" altLang="en-US" smtClean="0"/>
           </a:p>
         </p:txBody>
       </p:sp>
@@ -2065,7 +2078,6 @@
           <a:p>
             <a:fld id="{D997B5FA-0921-464F-AAE1-844C04324D75}" type="datetimeFigureOut">
               <a:rPr lang="zh-CN" altLang="en-US" smtClean="0"/>
-              <a:t>2024/7/11</a:t>
             </a:fld>
             <a:endParaRPr lang="zh-CN" altLang="en-US"/>
           </a:p>
@@ -2107,7 +2119,6 @@
           <a:p>
             <a:fld id="{565CE74E-AB26-4998-AD42-012C4C1AD076}" type="slidenum">
               <a:rPr lang="zh-CN" altLang="en-US" smtClean="0"/>
-              <a:t>‹#›</a:t>
             </a:fld>
             <a:endParaRPr lang="zh-CN" altLang="en-US"/>
           </a:p>
@@ -2293,6 +2304,7 @@
               <a:rPr lang="zh-CN" altLang="en-US" smtClean="0"/>
               <a:t>单击此处编辑母版文本样式</a:t>
             </a:r>
+            <a:endParaRPr lang="zh-CN" altLang="en-US" smtClean="0"/>
           </a:p>
         </p:txBody>
       </p:sp>
@@ -2313,7 +2325,6 @@
           <a:p>
             <a:fld id="{D997B5FA-0921-464F-AAE1-844C04324D75}" type="datetimeFigureOut">
               <a:rPr lang="zh-CN" altLang="en-US" smtClean="0"/>
-              <a:t>2024/7/11</a:t>
             </a:fld>
             <a:endParaRPr lang="zh-CN" altLang="en-US"/>
           </a:p>
@@ -2355,7 +2366,6 @@
           <a:p>
             <a:fld id="{565CE74E-AB26-4998-AD42-012C4C1AD076}" type="slidenum">
               <a:rPr lang="zh-CN" altLang="en-US" smtClean="0"/>
-              <a:t>‹#›</a:t>
             </a:fld>
             <a:endParaRPr lang="zh-CN" altLang="en-US"/>
           </a:p>
@@ -2454,6 +2464,7 @@
               <a:rPr lang="zh-CN" altLang="en-US" smtClean="0"/>
               <a:t>单击此处编辑母版文本样式</a:t>
             </a:r>
+            <a:endParaRPr lang="zh-CN" altLang="en-US" smtClean="0"/>
           </a:p>
           <a:p>
             <a:pPr lvl="1"/>
@@ -2461,6 +2472,7 @@
               <a:rPr lang="zh-CN" altLang="en-US" smtClean="0"/>
               <a:t>第二级</a:t>
             </a:r>
+            <a:endParaRPr lang="zh-CN" altLang="en-US" smtClean="0"/>
           </a:p>
           <a:p>
             <a:pPr lvl="2"/>
@@ -2468,6 +2480,7 @@
               <a:rPr lang="zh-CN" altLang="en-US" smtClean="0"/>
               <a:t>第三级</a:t>
             </a:r>
+            <a:endParaRPr lang="zh-CN" altLang="en-US" smtClean="0"/>
           </a:p>
           <a:p>
             <a:pPr lvl="3"/>
@@ -2475,6 +2488,7 @@
               <a:rPr lang="zh-CN" altLang="en-US" smtClean="0"/>
               <a:t>第四级</a:t>
             </a:r>
+            <a:endParaRPr lang="zh-CN" altLang="en-US" smtClean="0"/>
           </a:p>
           <a:p>
             <a:pPr lvl="4"/>
@@ -2521,7 +2535,6 @@
           <a:p>
             <a:fld id="{D997B5FA-0921-464F-AAE1-844C04324D75}" type="datetimeFigureOut">
               <a:rPr lang="zh-CN" altLang="en-US" smtClean="0"/>
-              <a:t>2024/7/11</a:t>
             </a:fld>
             <a:endParaRPr lang="zh-CN" altLang="en-US"/>
           </a:p>
@@ -2599,7 +2612,6 @@
           <a:p>
             <a:fld id="{565CE74E-AB26-4998-AD42-012C4C1AD076}" type="slidenum">
               <a:rPr lang="zh-CN" altLang="en-US" smtClean="0"/>
-              <a:t>‹#›</a:t>
             </a:fld>
             <a:endParaRPr lang="zh-CN" altLang="en-US"/>
           </a:p>
@@ -3050,6 +3062,21 @@
               </a:rPr>
               <a:t>聊天系统</a:t>
             </a:r>
+            <a:endParaRPr lang="zh-CN" altLang="en-US" sz="3200" b="1" dirty="0">
+              <a:solidFill>
+                <a:srgbClr val="00B050"/>
+              </a:solidFill>
+              <a:effectLst>
+                <a:outerShdw blurRad="38100" dist="25400" dir="5400000" algn="ctr" rotWithShape="0">
+                  <a:srgbClr val="6E747A">
+                    <a:alpha val="43000"/>
+                  </a:srgbClr>
+                </a:outerShdw>
+              </a:effectLst>
+              <a:latin typeface="Times New Roman" panose="02020603050405020304" charset="0"/>
+              <a:ea typeface="宋体" panose="02010600030101010101" pitchFamily="2" charset="-122"/>
+              <a:cs typeface="Times New Roman" panose="02020603050405020304" charset="0"/>
+            </a:endParaRPr>
           </a:p>
           <a:p>
             <a:pPr>
@@ -3070,8 +3097,8 @@
                 <a:solidFill>
                   <a:srgbClr val="FF0000"/>
                 </a:solidFill>
-                <a:latin typeface="Times New Roman" panose="02020603050405020304" pitchFamily="18" charset="0"/>
-                <a:cs typeface="Times New Roman" panose="02020603050405020304" pitchFamily="18" charset="0"/>
+                <a:latin typeface="Times New Roman" panose="02020603050405020304" charset="0"/>
+                <a:cs typeface="Times New Roman" panose="02020603050405020304" charset="0"/>
               </a:rPr>
               <a:t>hik_wangfei105</a:t>
             </a:r>
@@ -3079,8 +3106,8 @@
               <a:solidFill>
                 <a:srgbClr val="FF0000"/>
               </a:solidFill>
-              <a:latin typeface="Times New Roman" panose="02020603050405020304" pitchFamily="18" charset="0"/>
-              <a:cs typeface="Times New Roman" panose="02020603050405020304" pitchFamily="18" charset="0"/>
+              <a:latin typeface="Times New Roman" panose="02020603050405020304" charset="0"/>
+              <a:cs typeface="Times New Roman" panose="02020603050405020304" charset="0"/>
             </a:endParaRPr>
           </a:p>
           <a:p>
@@ -3106,8 +3133,8 @@
                 <a:solidFill>
                   <a:srgbClr val="0070C0"/>
                 </a:solidFill>
-                <a:latin typeface="Times New Roman" panose="02020603050405020304" pitchFamily="18" charset="0"/>
-                <a:cs typeface="Times New Roman" panose="02020603050405020304" pitchFamily="18" charset="0"/>
+                <a:latin typeface="Times New Roman" panose="02020603050405020304" charset="0"/>
+                <a:cs typeface="Times New Roman" panose="02020603050405020304" charset="0"/>
               </a:rPr>
               <a:t>2024.7.7 – 2024.7.11</a:t>
             </a:r>
@@ -3116,8 +3143,8 @@
                 <a:solidFill>
                   <a:srgbClr val="0070C0"/>
                 </a:solidFill>
-                <a:latin typeface="Times New Roman" panose="02020603050405020304" pitchFamily="18" charset="0"/>
-                <a:cs typeface="Times New Roman" panose="02020603050405020304" pitchFamily="18" charset="0"/>
+                <a:latin typeface="Times New Roman" panose="02020603050405020304" charset="0"/>
+                <a:cs typeface="Times New Roman" panose="02020603050405020304" charset="0"/>
               </a:rPr>
               <a:t>（从构思项目</a:t>
             </a:r>
@@ -3126,8 +3153,8 @@
                 <a:solidFill>
                   <a:srgbClr val="0070C0"/>
                 </a:solidFill>
-                <a:latin typeface="Times New Roman" panose="02020603050405020304" pitchFamily="18" charset="0"/>
-                <a:cs typeface="Times New Roman" panose="02020603050405020304" pitchFamily="18" charset="0"/>
+                <a:latin typeface="Times New Roman" panose="02020603050405020304" charset="0"/>
+                <a:cs typeface="Times New Roman" panose="02020603050405020304" charset="0"/>
               </a:rPr>
               <a:t>框架</a:t>
             </a:r>
@@ -3136,8 +3163,8 @@
                 <a:solidFill>
                   <a:srgbClr val="0070C0"/>
                 </a:solidFill>
-                <a:latin typeface="Times New Roman" panose="02020603050405020304" pitchFamily="18" charset="0"/>
-                <a:cs typeface="Times New Roman" panose="02020603050405020304" pitchFamily="18" charset="0"/>
+                <a:latin typeface="Times New Roman" panose="02020603050405020304" charset="0"/>
+                <a:cs typeface="Times New Roman" panose="02020603050405020304" charset="0"/>
               </a:rPr>
               <a:t>到完整开发结束）</a:t>
             </a:r>
@@ -3145,8 +3172,8 @@
               <a:solidFill>
                 <a:srgbClr val="0070C0"/>
               </a:solidFill>
-              <a:latin typeface="Times New Roman" panose="02020603050405020304" pitchFamily="18" charset="0"/>
-              <a:cs typeface="Times New Roman" panose="02020603050405020304" pitchFamily="18" charset="0"/>
+              <a:latin typeface="Times New Roman" panose="02020603050405020304" charset="0"/>
+              <a:cs typeface="Times New Roman" panose="02020603050405020304" charset="0"/>
             </a:endParaRPr>
           </a:p>
           <a:p>
@@ -3287,6 +3314,7 @@
               <a:rPr lang="zh-CN" altLang="en-US" dirty="0"/>
               <a:t>项目概述：</a:t>
             </a:r>
+            <a:endParaRPr lang="zh-CN" altLang="en-US" dirty="0"/>
           </a:p>
           <a:p>
             <a:pPr>
@@ -3314,6 +3342,7 @@
               <a:rPr lang="zh-CN" altLang="en-US" dirty="0"/>
               <a:t>协议的聊天系统，旨在为用户提供一个功能丰富、易于使用的即时通讯平台。系统支持用户注册、登录、注销、好友管理、消息发送和接收等功能，并确保消息的实时性和可靠性。</a:t>
             </a:r>
+            <a:endParaRPr lang="zh-CN" altLang="en-US" dirty="0"/>
           </a:p>
           <a:p>
             <a:pPr fontAlgn="auto">
@@ -3331,29 +3360,6 @@
             <a:r>
               <a:rPr lang="zh-CN" altLang="en-US" dirty="0"/>
               <a:t>本项目是本人于海康实习期间自研开发，仅供学习和交流使用，未经允许不可随意转发抄袭！</a:t>
-            </a:r>
-          </a:p>
-          <a:p>
-            <a:pPr fontAlgn="auto">
-              <a:lnSpc>
-                <a:spcPct val="150000"/>
-              </a:lnSpc>
-            </a:pPr>
-            <a:endParaRPr lang="en-US" altLang="zh-CN" dirty="0" smtClean="0"/>
-          </a:p>
-          <a:p>
-            <a:pPr fontAlgn="auto">
-              <a:lnSpc>
-                <a:spcPct val="150000"/>
-              </a:lnSpc>
-            </a:pPr>
-            <a:r>
-              <a:rPr lang="en-US" altLang="zh-CN" b="1" dirty="0" smtClean="0">
-                <a:latin typeface="Times New Roman" panose="02020603050405020304" charset="0"/>
-                <a:ea typeface="宋体" panose="02010600030101010101" pitchFamily="2" charset="-122"/>
-                <a:cs typeface="Times New Roman" panose="02020603050405020304" charset="0"/>
-              </a:rPr>
-              <a:t>	</a:t>
             </a:r>
             <a:endParaRPr lang="zh-CN" altLang="en-US" b="1" dirty="0">
               <a:latin typeface="Times New Roman" panose="02020603050405020304" charset="0"/>
@@ -3370,10 +3376,10 @@
           <p:nvPr/>
         </p:nvPicPr>
         <p:blipFill>
-          <a:blip r:embed="rId2">
+          <a:blip r:embed="rId1">
             <a:extLst>
               <a:ext uri="{96DAC541-7B7A-43D3-8B79-37D633B846F1}">
-                <asvg:svgBlip xmlns="" xmlns:asvg="http://schemas.microsoft.com/office/drawing/2016/SVG/main" xmlns:lc="http://schemas.openxmlformats.org/drawingml/2006/lockedCanvas" r:embed="rId3"/>
+                <asvg:svgBlip xmlns:asvg="http://schemas.microsoft.com/office/drawing/2016/SVG/main" r:embed="rId2"/>
               </a:ext>
             </a:extLst>
           </a:blip>
@@ -3393,11 +3399,6 @@
         </p:spPr>
       </p:pic>
     </p:spTree>
-    <p:extLst>
-      <p:ext uri="{BB962C8B-B14F-4D97-AF65-F5344CB8AC3E}">
-        <p14:creationId xmlns:p14="http://schemas.microsoft.com/office/powerpoint/2010/main" val="1732781506"/>
-      </p:ext>
-    </p:extLst>
   </p:cSld>
   <p:clrMapOvr>
     <a:masterClrMapping/>
@@ -3431,7 +3432,7 @@
           <p:nvPr/>
         </p:nvPicPr>
         <p:blipFill>
-          <a:blip r:embed="rId2"/>
+          <a:blip r:embed="rId1"/>
           <a:stretch>
             <a:fillRect/>
           </a:stretch>
@@ -3585,7 +3586,7 @@
           <p:nvPr/>
         </p:nvPicPr>
         <p:blipFill>
-          <a:blip r:embed="rId3"/>
+          <a:blip r:embed="rId2"/>
           <a:stretch>
             <a:fillRect/>
           </a:stretch>
@@ -3664,6 +3665,30 @@
           <p:nvPr/>
         </p:nvPicPr>
         <p:blipFill>
+          <a:blip r:embed="rId3"/>
+          <a:stretch>
+            <a:fillRect/>
+          </a:stretch>
+        </p:blipFill>
+        <p:spPr>
+          <a:xfrm>
+            <a:off x="5681131" y="323891"/>
+            <a:ext cx="5431367" cy="1585173"/>
+          </a:xfrm>
+          <a:prstGeom prst="rect">
+            <a:avLst/>
+          </a:prstGeom>
+        </p:spPr>
+      </p:pic>
+      <p:pic>
+        <p:nvPicPr>
+          <p:cNvPr id="10" name="图片 9"/>
+          <p:cNvPicPr>
+            <a:picLocks noChangeAspect="1"/>
+          </p:cNvPicPr>
+          <p:nvPr/>
+        </p:nvPicPr>
+        <p:blipFill>
           <a:blip r:embed="rId4"/>
           <a:stretch>
             <a:fillRect/>
@@ -3671,17 +3696,61 @@
         </p:blipFill>
         <p:spPr>
           <a:xfrm>
-            <a:off x="5681131" y="323891"/>
-            <a:ext cx="5431367" cy="1585173"/>
+            <a:off x="406190" y="5219704"/>
+            <a:ext cx="2866495" cy="1543497"/>
           </a:xfrm>
           <a:prstGeom prst="rect">
             <a:avLst/>
           </a:prstGeom>
         </p:spPr>
       </p:pic>
+      <p:sp>
+        <p:nvSpPr>
+          <p:cNvPr id="11" name="文本框 10"/>
+          <p:cNvSpPr txBox="1"/>
+          <p:nvPr/>
+        </p:nvSpPr>
+        <p:spPr>
+          <a:xfrm>
+            <a:off x="5570856" y="-35435"/>
+            <a:ext cx="1549610" cy="416560"/>
+          </a:xfrm>
+          <a:prstGeom prst="rect">
+            <a:avLst/>
+          </a:prstGeom>
+          <a:noFill/>
+        </p:spPr>
+        <p:txBody>
+          <a:bodyPr wrap="square" rtlCol="0">
+            <a:noAutofit/>
+          </a:bodyPr>
+          <a:lstStyle/>
+          <a:p>
+            <a:r>
+              <a:rPr lang="zh-CN" altLang="en-US" sz="2000" b="1" dirty="0" smtClean="0">
+                <a:solidFill>
+                  <a:srgbClr val="00B050"/>
+                </a:solidFill>
+                <a:latin typeface="Times New Roman" panose="02020603050405020304" charset="0"/>
+                <a:ea typeface="宋体" panose="02010600030101010101" pitchFamily="2" charset="-122"/>
+                <a:cs typeface="Times New Roman" panose="02020603050405020304" charset="0"/>
+              </a:rPr>
+              <a:t>添加好友：</a:t>
+            </a:r>
+            <a:endParaRPr lang="en-US" altLang="zh-CN" sz="2000" b="1" dirty="0">
+              <a:solidFill>
+                <a:srgbClr val="00B050"/>
+              </a:solidFill>
+              <a:latin typeface="Times New Roman" panose="02020603050405020304" charset="0"/>
+              <a:ea typeface="宋体" panose="02010600030101010101" pitchFamily="2" charset="-122"/>
+              <a:cs typeface="Times New Roman" panose="02020603050405020304" charset="0"/>
+            </a:endParaRPr>
+          </a:p>
+        </p:txBody>
+      </p:sp>
       <p:pic>
         <p:nvPicPr>
-          <p:cNvPr id="10" name="图片 9"/>
+          <p:cNvPr id="12" name="图片 11"/>
           <p:cNvPicPr>
             <a:picLocks noChangeAspect="1"/>
           </p:cNvPicPr>
@@ -3695,8 +3764,8 @@
         </p:blipFill>
         <p:spPr>
           <a:xfrm>
-            <a:off x="406190" y="5219704"/>
-            <a:ext cx="2866495" cy="1543497"/>
+            <a:off x="5651864" y="2283846"/>
+            <a:ext cx="5039254" cy="1329096"/>
           </a:xfrm>
           <a:prstGeom prst="rect">
             <a:avLst/>
@@ -3705,13 +3774,13 @@
       </p:pic>
       <p:sp>
         <p:nvSpPr>
-          <p:cNvPr id="11" name="文本框 10"/>
+          <p:cNvPr id="13" name="文本框 12"/>
           <p:cNvSpPr txBox="1"/>
           <p:nvPr/>
         </p:nvSpPr>
         <p:spPr>
           <a:xfrm>
-            <a:off x="5570856" y="-35435"/>
+            <a:off x="5541589" y="1884372"/>
             <a:ext cx="1549610" cy="416560"/>
           </a:xfrm>
           <a:prstGeom prst="rect">
@@ -3734,7 +3803,7 @@
                 <a:ea typeface="宋体" panose="02010600030101010101" pitchFamily="2" charset="-122"/>
                 <a:cs typeface="Times New Roman" panose="02020603050405020304" charset="0"/>
               </a:rPr>
-              <a:t>添加好友：</a:t>
+              <a:t>查看好友：</a:t>
             </a:r>
             <a:endParaRPr lang="en-US" altLang="zh-CN" sz="2000" b="1" dirty="0">
               <a:solidFill>
@@ -3747,9 +3816,53 @@
           </a:p>
         </p:txBody>
       </p:sp>
+      <p:sp>
+        <p:nvSpPr>
+          <p:cNvPr id="14" name="文本框 13"/>
+          <p:cNvSpPr txBox="1"/>
+          <p:nvPr/>
+        </p:nvSpPr>
+        <p:spPr>
+          <a:xfrm>
+            <a:off x="3702025" y="3217181"/>
+            <a:ext cx="1549610" cy="416560"/>
+          </a:xfrm>
+          <a:prstGeom prst="rect">
+            <a:avLst/>
+          </a:prstGeom>
+          <a:noFill/>
+        </p:spPr>
+        <p:txBody>
+          <a:bodyPr wrap="square" rtlCol="0">
+            <a:noAutofit/>
+          </a:bodyPr>
+          <a:lstStyle/>
+          <a:p>
+            <a:r>
+              <a:rPr lang="zh-CN" altLang="en-US" sz="2000" b="1" dirty="0" smtClean="0">
+                <a:solidFill>
+                  <a:srgbClr val="00B050"/>
+                </a:solidFill>
+                <a:latin typeface="Times New Roman" panose="02020603050405020304" charset="0"/>
+                <a:ea typeface="宋体" panose="02010600030101010101" pitchFamily="2" charset="-122"/>
+                <a:cs typeface="Times New Roman" panose="02020603050405020304" charset="0"/>
+              </a:rPr>
+              <a:t>发信息：</a:t>
+            </a:r>
+            <a:endParaRPr lang="en-US" altLang="zh-CN" sz="2000" b="1" dirty="0">
+              <a:solidFill>
+                <a:srgbClr val="00B050"/>
+              </a:solidFill>
+              <a:latin typeface="Times New Roman" panose="02020603050405020304" charset="0"/>
+              <a:ea typeface="宋体" panose="02010600030101010101" pitchFamily="2" charset="-122"/>
+              <a:cs typeface="Times New Roman" panose="02020603050405020304" charset="0"/>
+            </a:endParaRPr>
+          </a:p>
+        </p:txBody>
+      </p:sp>
       <p:pic>
         <p:nvPicPr>
-          <p:cNvPr id="12" name="图片 11"/>
+          <p:cNvPr id="15" name="图片 14"/>
           <p:cNvPicPr>
             <a:picLocks noChangeAspect="1"/>
           </p:cNvPicPr>
@@ -3763,8 +3876,8 @@
         </p:blipFill>
         <p:spPr>
           <a:xfrm>
-            <a:off x="5651864" y="2283846"/>
-            <a:ext cx="5039254" cy="1329096"/>
+            <a:off x="3812299" y="3682328"/>
+            <a:ext cx="4434161" cy="1828469"/>
           </a:xfrm>
           <a:prstGeom prst="rect">
             <a:avLst/>
@@ -3773,13 +3886,13 @@
       </p:pic>
       <p:sp>
         <p:nvSpPr>
-          <p:cNvPr id="13" name="文本框 12"/>
+          <p:cNvPr id="16" name="文本框 15"/>
           <p:cNvSpPr txBox="1"/>
           <p:nvPr/>
         </p:nvSpPr>
         <p:spPr>
           <a:xfrm>
-            <a:off x="5541589" y="1884372"/>
+            <a:off x="3702025" y="5559384"/>
             <a:ext cx="1549610" cy="416560"/>
           </a:xfrm>
           <a:prstGeom prst="rect">
@@ -3802,7 +3915,7 @@
                 <a:ea typeface="宋体" panose="02010600030101010101" pitchFamily="2" charset="-122"/>
                 <a:cs typeface="Times New Roman" panose="02020603050405020304" charset="0"/>
               </a:rPr>
-              <a:t>查看好友：</a:t>
+              <a:t>收信息：</a:t>
             </a:r>
             <a:endParaRPr lang="en-US" altLang="zh-CN" sz="2000" b="1" dirty="0">
               <a:solidFill>
@@ -3815,53 +3928,9 @@
           </a:p>
         </p:txBody>
       </p:sp>
-      <p:sp>
-        <p:nvSpPr>
-          <p:cNvPr id="14" name="文本框 13"/>
-          <p:cNvSpPr txBox="1"/>
-          <p:nvPr/>
-        </p:nvSpPr>
-        <p:spPr>
-          <a:xfrm>
-            <a:off x="3702025" y="3217181"/>
-            <a:ext cx="1549610" cy="416560"/>
-          </a:xfrm>
-          <a:prstGeom prst="rect">
-            <a:avLst/>
-          </a:prstGeom>
-          <a:noFill/>
-        </p:spPr>
-        <p:txBody>
-          <a:bodyPr wrap="square" rtlCol="0">
-            <a:noAutofit/>
-          </a:bodyPr>
-          <a:lstStyle/>
-          <a:p>
-            <a:r>
-              <a:rPr lang="zh-CN" altLang="en-US" sz="2000" b="1" dirty="0" smtClean="0">
-                <a:solidFill>
-                  <a:srgbClr val="00B050"/>
-                </a:solidFill>
-                <a:latin typeface="Times New Roman" panose="02020603050405020304" charset="0"/>
-                <a:ea typeface="宋体" panose="02010600030101010101" pitchFamily="2" charset="-122"/>
-                <a:cs typeface="Times New Roman" panose="02020603050405020304" charset="0"/>
-              </a:rPr>
-              <a:t>发信息：</a:t>
-            </a:r>
-            <a:endParaRPr lang="en-US" altLang="zh-CN" sz="2000" b="1" dirty="0">
-              <a:solidFill>
-                <a:srgbClr val="00B050"/>
-              </a:solidFill>
-              <a:latin typeface="Times New Roman" panose="02020603050405020304" charset="0"/>
-              <a:ea typeface="宋体" panose="02010600030101010101" pitchFamily="2" charset="-122"/>
-              <a:cs typeface="Times New Roman" panose="02020603050405020304" charset="0"/>
-            </a:endParaRPr>
-          </a:p>
-        </p:txBody>
-      </p:sp>
       <p:pic>
         <p:nvPicPr>
-          <p:cNvPr id="15" name="图片 14"/>
+          <p:cNvPr id="17" name="图片 16"/>
           <p:cNvPicPr>
             <a:picLocks noChangeAspect="1"/>
           </p:cNvPicPr>
@@ -3875,88 +3944,15 @@
         </p:blipFill>
         <p:spPr>
           <a:xfrm>
-            <a:off x="3812299" y="3682328"/>
-            <a:ext cx="4434161" cy="1828469"/>
+            <a:off x="4786842" y="5581099"/>
+            <a:ext cx="5451146" cy="1182102"/>
           </a:xfrm>
           <a:prstGeom prst="rect">
             <a:avLst/>
           </a:prstGeom>
         </p:spPr>
       </p:pic>
-      <p:sp>
-        <p:nvSpPr>
-          <p:cNvPr id="16" name="文本框 15"/>
-          <p:cNvSpPr txBox="1"/>
-          <p:nvPr/>
-        </p:nvSpPr>
-        <p:spPr>
-          <a:xfrm>
-            <a:off x="3702025" y="5559384"/>
-            <a:ext cx="1549610" cy="416560"/>
-          </a:xfrm>
-          <a:prstGeom prst="rect">
-            <a:avLst/>
-          </a:prstGeom>
-          <a:noFill/>
-        </p:spPr>
-        <p:txBody>
-          <a:bodyPr wrap="square" rtlCol="0">
-            <a:noAutofit/>
-          </a:bodyPr>
-          <a:lstStyle/>
-          <a:p>
-            <a:r>
-              <a:rPr lang="zh-CN" altLang="en-US" sz="2000" b="1" dirty="0" smtClean="0">
-                <a:solidFill>
-                  <a:srgbClr val="00B050"/>
-                </a:solidFill>
-                <a:latin typeface="Times New Roman" panose="02020603050405020304" charset="0"/>
-                <a:ea typeface="宋体" panose="02010600030101010101" pitchFamily="2" charset="-122"/>
-                <a:cs typeface="Times New Roman" panose="02020603050405020304" charset="0"/>
-              </a:rPr>
-              <a:t>收信息：</a:t>
-            </a:r>
-            <a:endParaRPr lang="en-US" altLang="zh-CN" sz="2000" b="1" dirty="0">
-              <a:solidFill>
-                <a:srgbClr val="00B050"/>
-              </a:solidFill>
-              <a:latin typeface="Times New Roman" panose="02020603050405020304" charset="0"/>
-              <a:ea typeface="宋体" panose="02010600030101010101" pitchFamily="2" charset="-122"/>
-              <a:cs typeface="Times New Roman" panose="02020603050405020304" charset="0"/>
-            </a:endParaRPr>
-          </a:p>
-        </p:txBody>
-      </p:sp>
-      <p:pic>
-        <p:nvPicPr>
-          <p:cNvPr id="17" name="图片 16"/>
-          <p:cNvPicPr>
-            <a:picLocks noChangeAspect="1"/>
-          </p:cNvPicPr>
-          <p:nvPr/>
-        </p:nvPicPr>
-        <p:blipFill>
-          <a:blip r:embed="rId8"/>
-          <a:stretch>
-            <a:fillRect/>
-          </a:stretch>
-        </p:blipFill>
-        <p:spPr>
-          <a:xfrm>
-            <a:off x="4786842" y="5581099"/>
-            <a:ext cx="5451146" cy="1182102"/>
-          </a:xfrm>
-          <a:prstGeom prst="rect">
-            <a:avLst/>
-          </a:prstGeom>
-        </p:spPr>
-      </p:pic>
     </p:spTree>
-    <p:extLst>
-      <p:ext uri="{BB962C8B-B14F-4D97-AF65-F5344CB8AC3E}">
-        <p14:creationId xmlns:p14="http://schemas.microsoft.com/office/powerpoint/2010/main" val="617422060"/>
-      </p:ext>
-    </p:extLst>
   </p:cSld>
   <p:clrMapOvr>
     <a:masterClrMapping/>
@@ -4107,6 +4103,7 @@
               <a:rPr lang="zh-CN" altLang="en-US" dirty="0"/>
               <a:t>用户可以通过命令行输入用户名和密码进行注册。</a:t>
             </a:r>
+            <a:endParaRPr lang="zh-CN" altLang="en-US" dirty="0"/>
           </a:p>
           <a:p>
             <a:pPr marL="285750" indent="-285750">
@@ -4128,6 +4125,7 @@
               <a:rPr lang="zh-CN" altLang="en-US" dirty="0"/>
               <a:t>用户输入正确的用户名和密码后，登录成功。</a:t>
             </a:r>
+            <a:endParaRPr lang="zh-CN" altLang="en-US" dirty="0"/>
           </a:p>
           <a:p>
             <a:pPr marL="285750" indent="-285750">
@@ -4149,6 +4147,7 @@
               <a:rPr lang="zh-CN" altLang="en-US" dirty="0"/>
               <a:t>用户可以注销自己的账户，并删除相关的聊天记录。</a:t>
             </a:r>
+            <a:endParaRPr lang="zh-CN" altLang="en-US" dirty="0"/>
           </a:p>
           <a:p>
             <a:pPr>
@@ -4214,6 +4213,7 @@
               <a:rPr lang="zh-CN" altLang="en-US" dirty="0"/>
               <a:t>用户可以查询与特定好友的历史聊天记录。</a:t>
             </a:r>
+            <a:endParaRPr lang="zh-CN" altLang="en-US" dirty="0"/>
           </a:p>
           <a:p>
             <a:pPr marL="285750" indent="-285750">
@@ -4243,6 +4243,7 @@
               <a:rPr lang="zh-CN" altLang="en-US" dirty="0"/>
               <a:t>用户可以删除与特定好友的聊天记录。</a:t>
             </a:r>
+            <a:endParaRPr lang="zh-CN" altLang="en-US" dirty="0"/>
           </a:p>
           <a:p>
             <a:pPr>
@@ -4300,6 +4301,7 @@
               <a:rPr lang="zh-CN" altLang="en-US" dirty="0"/>
               <a:t>用户可以添加已注册的用户为好友。</a:t>
             </a:r>
+            <a:endParaRPr lang="zh-CN" altLang="en-US" dirty="0"/>
           </a:p>
           <a:p>
             <a:pPr marL="285750" indent="-285750">
@@ -4321,6 +4323,7 @@
               <a:rPr lang="zh-CN" altLang="en-US" dirty="0"/>
               <a:t>用户可以删除已添加的好友。</a:t>
             </a:r>
+            <a:endParaRPr lang="zh-CN" altLang="en-US" dirty="0"/>
           </a:p>
           <a:p>
             <a:pPr>
@@ -4408,6 +4411,7 @@
               <a:rPr lang="zh-CN" altLang="en-US" dirty="0" smtClean="0"/>
               <a:t>。</a:t>
             </a:r>
+            <a:endParaRPr lang="zh-CN" altLang="en-US" dirty="0" smtClean="0"/>
           </a:p>
         </p:txBody>
       </p:sp>
@@ -4418,10 +4422,10 @@
           <p:nvPr/>
         </p:nvPicPr>
         <p:blipFill>
-          <a:blip r:embed="rId2">
+          <a:blip r:embed="rId1">
             <a:extLst>
               <a:ext uri="{96DAC541-7B7A-43D3-8B79-37D633B846F1}">
-                <asvg:svgBlip xmlns="" xmlns:asvg="http://schemas.microsoft.com/office/drawing/2016/SVG/main" xmlns:lc="http://schemas.openxmlformats.org/drawingml/2006/lockedCanvas" r:embed="rId3"/>
+                <asvg:svgBlip xmlns:asvg="http://schemas.microsoft.com/office/drawing/2016/SVG/main" r:embed="rId2"/>
               </a:ext>
             </a:extLst>
           </a:blip>
@@ -4598,6 +4602,7 @@
               <a:rPr lang="zh-CN" altLang="en-US" dirty="0" smtClean="0"/>
               <a:t>：服务器可以向任意客户端发送消息。</a:t>
             </a:r>
+            <a:endParaRPr lang="zh-CN" altLang="en-US" dirty="0" smtClean="0"/>
           </a:p>
           <a:p>
             <a:pPr marL="285750" indent="-285750">
@@ -4615,6 +4620,7 @@
               <a:rPr lang="zh-CN" altLang="en-US" dirty="0" smtClean="0"/>
               <a:t>：服务器支持同时连接多个客户端，实现互相添加好友和发送消息。</a:t>
             </a:r>
+            <a:endParaRPr lang="zh-CN" altLang="en-US" dirty="0" smtClean="0"/>
           </a:p>
           <a:p>
             <a:pPr>
@@ -4660,6 +4666,7 @@
               <a:rPr lang="zh-CN" altLang="en-US" dirty="0" smtClean="0"/>
               <a:t>：用户的在线状态会实时同步，用户可以查看好友的在线状态。</a:t>
             </a:r>
+            <a:endParaRPr lang="zh-CN" altLang="en-US" dirty="0" smtClean="0"/>
           </a:p>
           <a:p>
             <a:pPr marL="285750" indent="-285750">
@@ -4677,6 +4684,7 @@
               <a:rPr lang="zh-CN" altLang="en-US" dirty="0" smtClean="0"/>
               <a:t>：用户在给在线好友发送消息时，如果对方突然下线，下一次对方上线后也会立即收到，且重复下线上线只会收到一次。</a:t>
             </a:r>
+            <a:endParaRPr lang="zh-CN" altLang="en-US" dirty="0" smtClean="0"/>
           </a:p>
           <a:p>
             <a:pPr>
@@ -4734,6 +4742,7 @@
               <a:rPr lang="zh-CN" altLang="en-US" dirty="0" smtClean="0"/>
               <a:t>协议实现客户端与服务器之间的可靠通信。</a:t>
             </a:r>
+            <a:endParaRPr lang="zh-CN" altLang="en-US" dirty="0" smtClean="0"/>
           </a:p>
           <a:p>
             <a:pPr marL="285750" indent="-285750">
@@ -4751,6 +4760,7 @@
               <a:rPr lang="zh-CN" altLang="en-US" dirty="0" smtClean="0"/>
               <a:t>：使用嵌入式内的轻量级数据库存储用户信息、好友关系和聊天记录。</a:t>
             </a:r>
+            <a:endParaRPr lang="zh-CN" altLang="en-US" dirty="0" smtClean="0"/>
           </a:p>
           <a:p>
             <a:pPr marL="285750" indent="-285750">
@@ -4779,10 +4789,10 @@
           <p:nvPr/>
         </p:nvPicPr>
         <p:blipFill>
-          <a:blip r:embed="rId2">
+          <a:blip r:embed="rId1">
             <a:extLst>
               <a:ext uri="{96DAC541-7B7A-43D3-8B79-37D633B846F1}">
-                <asvg:svgBlip xmlns="" xmlns:asvg="http://schemas.microsoft.com/office/drawing/2016/SVG/main" xmlns:lc="http://schemas.openxmlformats.org/drawingml/2006/lockedCanvas" r:embed="rId3"/>
+                <asvg:svgBlip xmlns:asvg="http://schemas.microsoft.com/office/drawing/2016/SVG/main" r:embed="rId2"/>
               </a:ext>
             </a:extLst>
           </a:blip>
@@ -4802,11 +4812,6 @@
         </p:spPr>
       </p:pic>
     </p:spTree>
-    <p:extLst>
-      <p:ext uri="{BB962C8B-B14F-4D97-AF65-F5344CB8AC3E}">
-        <p14:creationId xmlns:p14="http://schemas.microsoft.com/office/powerpoint/2010/main" val="1347529187"/>
-      </p:ext>
-    </p:extLst>
   </p:cSld>
   <p:clrMapOvr>
     <a:masterClrMapping/>
@@ -5270,6 +5275,11 @@
               </a:rPr>
               <a:t>……</a:t>
             </a:r>
+            <a:endParaRPr lang="en-US" altLang="zh-CN" b="1" dirty="0" smtClean="0">
+              <a:latin typeface="Times New Roman" panose="02020603050405020304" charset="0"/>
+              <a:ea typeface="宋体" panose="02010600030101010101" pitchFamily="2" charset="-122"/>
+              <a:cs typeface="Times New Roman" panose="02020603050405020304" charset="0"/>
+            </a:endParaRPr>
           </a:p>
         </p:txBody>
       </p:sp>
@@ -5280,10 +5290,10 @@
           <p:nvPr/>
         </p:nvPicPr>
         <p:blipFill>
-          <a:blip r:embed="rId2">
+          <a:blip r:embed="rId1">
             <a:extLst>
               <a:ext uri="{96DAC541-7B7A-43D3-8B79-37D633B846F1}">
-                <asvg:svgBlip xmlns="" xmlns:asvg="http://schemas.microsoft.com/office/drawing/2016/SVG/main" xmlns:lc="http://schemas.openxmlformats.org/drawingml/2006/lockedCanvas" r:embed="rId3"/>
+                <asvg:svgBlip xmlns:asvg="http://schemas.microsoft.com/office/drawing/2016/SVG/main" r:embed="rId2"/>
               </a:ext>
             </a:extLst>
           </a:blip>
@@ -5303,11 +5313,6 @@
         </p:spPr>
       </p:pic>
     </p:spTree>
-    <p:extLst>
-      <p:ext uri="{BB962C8B-B14F-4D97-AF65-F5344CB8AC3E}">
-        <p14:creationId xmlns:p14="http://schemas.microsoft.com/office/powerpoint/2010/main" val="1070654088"/>
-      </p:ext>
-    </p:extLst>
   </p:cSld>
   <p:clrMapOvr>
     <a:masterClrMapping/>
@@ -5698,6 +5703,11 @@
               </a:rPr>
               <a:t>send request</a:t>
             </a:r>
+            <a:endParaRPr lang="zh-CN" altLang="en-US" sz="2000" b="1" dirty="0">
+              <a:latin typeface="Times New Roman" panose="02020603050405020304" charset="0"/>
+              <a:ea typeface="宋体" panose="02010600030101010101" pitchFamily="2" charset="-122"/>
+              <a:cs typeface="Times New Roman" panose="02020603050405020304" charset="0"/>
+            </a:endParaRPr>
           </a:p>
         </p:txBody>
       </p:sp>
@@ -5747,6 +5757,11 @@
               </a:rPr>
               <a:t>query results</a:t>
             </a:r>
+            <a:endParaRPr lang="zh-CN" altLang="en-US" sz="2000" b="1" dirty="0">
+              <a:latin typeface="Times New Roman" panose="02020603050405020304" charset="0"/>
+              <a:ea typeface="宋体" panose="02010600030101010101" pitchFamily="2" charset="-122"/>
+              <a:cs typeface="Times New Roman" panose="02020603050405020304" charset="0"/>
+            </a:endParaRPr>
           </a:p>
         </p:txBody>
       </p:sp>
@@ -5796,6 +5811,11 @@
               </a:rPr>
               <a:t>the database</a:t>
             </a:r>
+            <a:endParaRPr lang="zh-CN" altLang="en-US" sz="2000" b="1" dirty="0">
+              <a:latin typeface="Times New Roman" panose="02020603050405020304" charset="0"/>
+              <a:ea typeface="宋体" panose="02010600030101010101" pitchFamily="2" charset="-122"/>
+              <a:cs typeface="Times New Roman" panose="02020603050405020304" charset="0"/>
+            </a:endParaRPr>
           </a:p>
         </p:txBody>
       </p:sp>
@@ -5845,6 +5865,11 @@
               </a:rPr>
               <a:t>database results</a:t>
             </a:r>
+            <a:endParaRPr lang="zh-CN" altLang="en-US" sz="2000" b="1" dirty="0">
+              <a:latin typeface="Times New Roman" panose="02020603050405020304" charset="0"/>
+              <a:ea typeface="宋体" panose="02010600030101010101" pitchFamily="2" charset="-122"/>
+              <a:cs typeface="Times New Roman" panose="02020603050405020304" charset="0"/>
+            </a:endParaRPr>
           </a:p>
         </p:txBody>
       </p:sp>
@@ -5919,6 +5944,13 @@
               </a:rPr>
               <a:t>block diagram</a:t>
             </a:r>
+            <a:endParaRPr lang="en-US" altLang="zh-CN" sz="2800" b="1" dirty="0">
+              <a:solidFill>
+                <a:srgbClr val="FF0000"/>
+              </a:solidFill>
+              <a:latin typeface="Times New Roman" panose="02020603050405020304" charset="0"/>
+              <a:cs typeface="Times New Roman" panose="02020603050405020304" charset="0"/>
+            </a:endParaRPr>
           </a:p>
         </p:txBody>
       </p:sp>
@@ -5981,10 +6013,10 @@
           <p:nvPr/>
         </p:nvPicPr>
         <p:blipFill>
-          <a:blip r:embed="rId2">
+          <a:blip r:embed="rId1">
             <a:extLst>
               <a:ext uri="{96DAC541-7B7A-43D3-8B79-37D633B846F1}">
-                <asvg:svgBlip xmlns="" xmlns:asvg="http://schemas.microsoft.com/office/drawing/2016/SVG/main" xmlns:lc="http://schemas.openxmlformats.org/drawingml/2006/lockedCanvas" r:embed="rId3"/>
+                <asvg:svgBlip xmlns:asvg="http://schemas.microsoft.com/office/drawing/2016/SVG/main" r:embed="rId2"/>
               </a:ext>
             </a:extLst>
           </a:blip>
@@ -6004,11 +6036,6 @@
         </p:spPr>
       </p:pic>
     </p:spTree>
-    <p:extLst>
-      <p:ext uri="{BB962C8B-B14F-4D97-AF65-F5344CB8AC3E}">
-        <p14:creationId xmlns:p14="http://schemas.microsoft.com/office/powerpoint/2010/main" val="3578878842"/>
-      </p:ext>
-    </p:extLst>
   </p:cSld>
   <p:clrMapOvr>
     <a:masterClrMapping/>
@@ -6848,6 +6875,10 @@
               </a:rPr>
               <a:t>register/login</a:t>
             </a:r>
+            <a:endParaRPr lang="en-US" altLang="zh-CN" sz="1200" b="1" dirty="0" smtClean="0">
+              <a:latin typeface="Times New Roman" panose="02020603050405020304" charset="0"/>
+              <a:cs typeface="Times New Roman" panose="02020603050405020304" charset="0"/>
+            </a:endParaRPr>
           </a:p>
           <a:p>
             <a:pPr algn="ctr"/>
@@ -7298,6 +7329,10 @@
               </a:rPr>
               <a:t>Client 0</a:t>
             </a:r>
+            <a:endParaRPr lang="en-US" altLang="zh-CN" b="1" dirty="0">
+              <a:latin typeface="Times New Roman" panose="02020603050405020304" charset="0"/>
+              <a:cs typeface="Times New Roman" panose="02020603050405020304" charset="0"/>
+            </a:endParaRPr>
           </a:p>
         </p:txBody>
       </p:sp>
@@ -7780,6 +7815,10 @@
               </a:rPr>
               <a:t>Thread 0</a:t>
             </a:r>
+            <a:endParaRPr lang="en-US" altLang="zh-CN" sz="1200" b="1" dirty="0">
+              <a:latin typeface="Times New Roman" panose="02020603050405020304" charset="0"/>
+              <a:cs typeface="Times New Roman" panose="02020603050405020304" charset="0"/>
+            </a:endParaRPr>
           </a:p>
         </p:txBody>
       </p:sp>
@@ -8178,6 +8217,10 @@
               </a:rPr>
               <a:t>Client N</a:t>
             </a:r>
+            <a:endParaRPr lang="en-US" altLang="zh-CN" b="1" dirty="0">
+              <a:latin typeface="Times New Roman" panose="02020603050405020304" charset="0"/>
+              <a:cs typeface="Times New Roman" panose="02020603050405020304" charset="0"/>
+            </a:endParaRPr>
           </a:p>
         </p:txBody>
       </p:sp>
@@ -8791,6 +8834,10 @@
               </a:rPr>
               <a:t>Thread N</a:t>
             </a:r>
+            <a:endParaRPr lang="en-US" altLang="zh-CN" sz="1200" b="1" dirty="0">
+              <a:latin typeface="Times New Roman" panose="02020603050405020304" charset="0"/>
+              <a:cs typeface="Times New Roman" panose="02020603050405020304" charset="0"/>
+            </a:endParaRPr>
           </a:p>
         </p:txBody>
       </p:sp>
@@ -10707,7 +10754,7 @@
           <p:nvPr/>
         </p:nvPicPr>
         <p:blipFill>
-          <a:blip r:embed="rId2"/>
+          <a:blip r:embed="rId1"/>
           <a:stretch>
             <a:fillRect/>
           </a:stretch>
@@ -10731,7 +10778,7 @@
           <p:nvPr/>
         </p:nvPicPr>
         <p:blipFill>
-          <a:blip r:embed="rId3"/>
+          <a:blip r:embed="rId2"/>
           <a:stretch>
             <a:fillRect/>
           </a:stretch>
@@ -12416,6 +12463,10 @@
               </a:rPr>
               <a:t>add/query/</a:t>
             </a:r>
+            <a:endParaRPr lang="en-US" altLang="zh-CN" sz="1200" b="1" dirty="0" smtClean="0">
+              <a:latin typeface="Times New Roman" panose="02020603050405020304" charset="0"/>
+              <a:cs typeface="Times New Roman" panose="02020603050405020304" charset="0"/>
+            </a:endParaRPr>
           </a:p>
           <a:p>
             <a:pPr algn="ctr"/>
@@ -12426,6 +12477,10 @@
               </a:rPr>
               <a:t>delete /choose</a:t>
             </a:r>
+            <a:endParaRPr lang="en-US" altLang="zh-CN" sz="1200" b="1" dirty="0" smtClean="0">
+              <a:latin typeface="Times New Roman" panose="02020603050405020304" charset="0"/>
+              <a:cs typeface="Times New Roman" panose="02020603050405020304" charset="0"/>
+            </a:endParaRPr>
           </a:p>
         </p:txBody>
       </p:sp>
@@ -12564,6 +12619,10 @@
               </a:rPr>
               <a:t>query record/</a:t>
             </a:r>
+            <a:endParaRPr lang="en-US" altLang="zh-CN" sz="1200" b="1" dirty="0" smtClean="0">
+              <a:latin typeface="Times New Roman" panose="02020603050405020304" charset="0"/>
+              <a:cs typeface="Times New Roman" panose="02020603050405020304" charset="0"/>
+            </a:endParaRPr>
           </a:p>
           <a:p>
             <a:pPr algn="ctr"/>
@@ -13378,11 +13437,6 @@
         </p:txBody>
       </p:sp>
     </p:spTree>
-    <p:extLst>
-      <p:ext uri="{BB962C8B-B14F-4D97-AF65-F5344CB8AC3E}">
-        <p14:creationId xmlns:p14="http://schemas.microsoft.com/office/powerpoint/2010/main" val="1191340983"/>
-      </p:ext>
-    </p:extLst>
   </p:cSld>
   <p:clrMapOvr>
     <a:masterClrMapping/>
@@ -13500,13 +13554,7 @@
           <p:cNvGraphicFramePr>
             <a:graphicFrameLocks noGrp="1"/>
           </p:cNvGraphicFramePr>
-          <p:nvPr>
-            <p:extLst>
-              <p:ext uri="{D42A27DB-BD31-4B8C-83A1-F6EECF244321}">
-                <p14:modId xmlns:p14="http://schemas.microsoft.com/office/powerpoint/2010/main" val="4055229226"/>
-              </p:ext>
-            </p:extLst>
-          </p:nvPr>
+          <p:nvPr/>
         </p:nvGraphicFramePr>
         <p:xfrm>
           <a:off x="2895602" y="4268210"/>
@@ -13519,48 +13567,12 @@
                 <a:tableStyleId>{5C22544A-7EE6-4342-B048-85BDC9FD1C3A}</a:tableStyleId>
               </a:tblPr>
               <a:tblGrid>
-                <a:gridCol w="1129718">
-                  <a:extLst>
-                    <a:ext uri="{9D8B030D-6E8A-4147-A177-3AD203B41FA5}">
-                      <a16:colId xmlns:a16="http://schemas.microsoft.com/office/drawing/2014/main" val="3713272905"/>
-                    </a:ext>
-                  </a:extLst>
-                </a:gridCol>
-                <a:gridCol w="1363133">
-                  <a:extLst>
-                    <a:ext uri="{9D8B030D-6E8A-4147-A177-3AD203B41FA5}">
-                      <a16:colId xmlns:a16="http://schemas.microsoft.com/office/drawing/2014/main" val="4081774583"/>
-                    </a:ext>
-                  </a:extLst>
-                </a:gridCol>
-                <a:gridCol w="2184400">
-                  <a:extLst>
-                    <a:ext uri="{9D8B030D-6E8A-4147-A177-3AD203B41FA5}">
-                      <a16:colId xmlns:a16="http://schemas.microsoft.com/office/drawing/2014/main" val="3584453355"/>
-                    </a:ext>
-                  </a:extLst>
-                </a:gridCol>
-                <a:gridCol w="1075267">
-                  <a:extLst>
-                    <a:ext uri="{9D8B030D-6E8A-4147-A177-3AD203B41FA5}">
-                      <a16:colId xmlns:a16="http://schemas.microsoft.com/office/drawing/2014/main" val="2890249445"/>
-                    </a:ext>
-                  </a:extLst>
-                </a:gridCol>
-                <a:gridCol w="1524000">
-                  <a:extLst>
-                    <a:ext uri="{9D8B030D-6E8A-4147-A177-3AD203B41FA5}">
-                      <a16:colId xmlns:a16="http://schemas.microsoft.com/office/drawing/2014/main" val="2175480791"/>
-                    </a:ext>
-                  </a:extLst>
-                </a:gridCol>
-                <a:gridCol w="851484">
-                  <a:extLst>
-                    <a:ext uri="{9D8B030D-6E8A-4147-A177-3AD203B41FA5}">
-                      <a16:colId xmlns:a16="http://schemas.microsoft.com/office/drawing/2014/main" val="3655022245"/>
-                    </a:ext>
-                  </a:extLst>
-                </a:gridCol>
+                <a:gridCol w="1129718"/>
+                <a:gridCol w="1363133"/>
+                <a:gridCol w="2184400"/>
+                <a:gridCol w="1075267"/>
+                <a:gridCol w="1524000"/>
+                <a:gridCol w="851484"/>
               </a:tblGrid>
               <a:tr h="370840">
                 <a:tc>
@@ -13653,11 +13665,6 @@
                   </a:txBody>
                   <a:tcPr/>
                 </a:tc>
-                <a:extLst>
-                  <a:ext uri="{0D108BD9-81ED-4DB2-BD59-A6C34878D82A}">
-                    <a16:rowId xmlns:a16="http://schemas.microsoft.com/office/drawing/2014/main" val="3937782819"/>
-                  </a:ext>
-                </a:extLst>
               </a:tr>
               <a:tr h="370840">
                 <a:tc>
@@ -13762,7 +13769,6 @@
                         <a:buSzTx/>
                         <a:buFontTx/>
                         <a:buNone/>
-                        <a:tabLst/>
                         <a:defRPr/>
                       </a:pPr>
                       <a:r>
@@ -13774,11 +13780,6 @@
                   </a:txBody>
                   <a:tcPr/>
                 </a:tc>
-                <a:extLst>
-                  <a:ext uri="{0D108BD9-81ED-4DB2-BD59-A6C34878D82A}">
-                    <a16:rowId xmlns:a16="http://schemas.microsoft.com/office/drawing/2014/main" val="441769091"/>
-                  </a:ext>
-                </a:extLst>
               </a:tr>
               <a:tr h="370840">
                 <a:tc>
@@ -13830,7 +13831,6 @@
                         <a:buSzTx/>
                         <a:buFontTx/>
                         <a:buNone/>
-                        <a:tabLst/>
                         <a:defRPr/>
                       </a:pPr>
                       <a:r>
@@ -13895,11 +13895,6 @@
                   </a:txBody>
                   <a:tcPr/>
                 </a:tc>
-                <a:extLst>
-                  <a:ext uri="{0D108BD9-81ED-4DB2-BD59-A6C34878D82A}">
-                    <a16:rowId xmlns:a16="http://schemas.microsoft.com/office/drawing/2014/main" val="1811329127"/>
-                  </a:ext>
-                </a:extLst>
               </a:tr>
               <a:tr h="370840">
                 <a:tc>
@@ -13951,7 +13946,6 @@
                         <a:buSzTx/>
                         <a:buFontTx/>
                         <a:buNone/>
-                        <a:tabLst/>
                         <a:defRPr/>
                       </a:pPr>
                       <a:r>
@@ -14016,11 +14010,6 @@
                   </a:txBody>
                   <a:tcPr/>
                 </a:tc>
-                <a:extLst>
-                  <a:ext uri="{0D108BD9-81ED-4DB2-BD59-A6C34878D82A}">
-                    <a16:rowId xmlns:a16="http://schemas.microsoft.com/office/drawing/2014/main" val="2602724388"/>
-                  </a:ext>
-                </a:extLst>
               </a:tr>
               <a:tr h="370840">
                 <a:tc>
@@ -14072,7 +14061,6 @@
                         <a:buSzTx/>
                         <a:buFontTx/>
                         <a:buNone/>
-                        <a:tabLst/>
                         <a:defRPr/>
                       </a:pPr>
                       <a:r>
@@ -14137,11 +14125,6 @@
                   </a:txBody>
                   <a:tcPr/>
                 </a:tc>
-                <a:extLst>
-                  <a:ext uri="{0D108BD9-81ED-4DB2-BD59-A6C34878D82A}">
-                    <a16:rowId xmlns:a16="http://schemas.microsoft.com/office/drawing/2014/main" val="129269055"/>
-                  </a:ext>
-                </a:extLst>
               </a:tr>
             </a:tbl>
           </a:graphicData>
@@ -14153,13 +14136,7 @@
           <p:cNvGraphicFramePr>
             <a:graphicFrameLocks noGrp="1"/>
           </p:cNvGraphicFramePr>
-          <p:nvPr>
-            <p:extLst>
-              <p:ext uri="{D42A27DB-BD31-4B8C-83A1-F6EECF244321}">
-                <p14:modId xmlns:p14="http://schemas.microsoft.com/office/powerpoint/2010/main" val="3757533173"/>
-              </p:ext>
-            </p:extLst>
-          </p:nvPr>
+          <p:nvPr/>
         </p:nvGraphicFramePr>
         <p:xfrm>
           <a:off x="2895602" y="482096"/>
@@ -14172,41 +14149,11 @@
                 <a:tableStyleId>{5C22544A-7EE6-4342-B048-85BDC9FD1C3A}</a:tableStyleId>
               </a:tblPr>
               <a:tblGrid>
-                <a:gridCol w="1625600">
-                  <a:extLst>
-                    <a:ext uri="{9D8B030D-6E8A-4147-A177-3AD203B41FA5}">
-                      <a16:colId xmlns:a16="http://schemas.microsoft.com/office/drawing/2014/main" val="3853065775"/>
-                    </a:ext>
-                  </a:extLst>
-                </a:gridCol>
-                <a:gridCol w="1625600">
-                  <a:extLst>
-                    <a:ext uri="{9D8B030D-6E8A-4147-A177-3AD203B41FA5}">
-                      <a16:colId xmlns:a16="http://schemas.microsoft.com/office/drawing/2014/main" val="585994285"/>
-                    </a:ext>
-                  </a:extLst>
-                </a:gridCol>
-                <a:gridCol w="1625600">
-                  <a:extLst>
-                    <a:ext uri="{9D8B030D-6E8A-4147-A177-3AD203B41FA5}">
-                      <a16:colId xmlns:a16="http://schemas.microsoft.com/office/drawing/2014/main" val="321200252"/>
-                    </a:ext>
-                  </a:extLst>
-                </a:gridCol>
-                <a:gridCol w="1625600">
-                  <a:extLst>
-                    <a:ext uri="{9D8B030D-6E8A-4147-A177-3AD203B41FA5}">
-                      <a16:colId xmlns:a16="http://schemas.microsoft.com/office/drawing/2014/main" val="3867318735"/>
-                    </a:ext>
-                  </a:extLst>
-                </a:gridCol>
-                <a:gridCol w="1625600">
-                  <a:extLst>
-                    <a:ext uri="{9D8B030D-6E8A-4147-A177-3AD203B41FA5}">
-                      <a16:colId xmlns:a16="http://schemas.microsoft.com/office/drawing/2014/main" val="1929867689"/>
-                    </a:ext>
-                  </a:extLst>
-                </a:gridCol>
+                <a:gridCol w="1625600"/>
+                <a:gridCol w="1625600"/>
+                <a:gridCol w="1625600"/>
+                <a:gridCol w="1625600"/>
+                <a:gridCol w="1625600"/>
               </a:tblGrid>
               <a:tr h="370840">
                 <a:tc>
@@ -14284,11 +14231,6 @@
                   </a:txBody>
                   <a:tcPr/>
                 </a:tc>
-                <a:extLst>
-                  <a:ext uri="{0D108BD9-81ED-4DB2-BD59-A6C34878D82A}">
-                    <a16:rowId xmlns:a16="http://schemas.microsoft.com/office/drawing/2014/main" val="1718630217"/>
-                  </a:ext>
-                </a:extLst>
               </a:tr>
               <a:tr h="370840">
                 <a:tc>
@@ -14366,11 +14308,6 @@
                   </a:txBody>
                   <a:tcPr/>
                 </a:tc>
-                <a:extLst>
-                  <a:ext uri="{0D108BD9-81ED-4DB2-BD59-A6C34878D82A}">
-                    <a16:rowId xmlns:a16="http://schemas.microsoft.com/office/drawing/2014/main" val="514992691"/>
-                  </a:ext>
-                </a:extLst>
               </a:tr>
               <a:tr h="370840">
                 <a:tc>
@@ -14448,11 +14385,6 @@
                   </a:txBody>
                   <a:tcPr/>
                 </a:tc>
-                <a:extLst>
-                  <a:ext uri="{0D108BD9-81ED-4DB2-BD59-A6C34878D82A}">
-                    <a16:rowId xmlns:a16="http://schemas.microsoft.com/office/drawing/2014/main" val="3888783988"/>
-                  </a:ext>
-                </a:extLst>
               </a:tr>
               <a:tr h="370840">
                 <a:tc>
@@ -14530,11 +14462,6 @@
                   </a:txBody>
                   <a:tcPr/>
                 </a:tc>
-                <a:extLst>
-                  <a:ext uri="{0D108BD9-81ED-4DB2-BD59-A6C34878D82A}">
-                    <a16:rowId xmlns:a16="http://schemas.microsoft.com/office/drawing/2014/main" val="2611864013"/>
-                  </a:ext>
-                </a:extLst>
               </a:tr>
             </a:tbl>
           </a:graphicData>
@@ -14546,13 +14473,7 @@
           <p:cNvGraphicFramePr>
             <a:graphicFrameLocks noGrp="1"/>
           </p:cNvGraphicFramePr>
-          <p:nvPr>
-            <p:extLst>
-              <p:ext uri="{D42A27DB-BD31-4B8C-83A1-F6EECF244321}">
-                <p14:modId xmlns:p14="http://schemas.microsoft.com/office/powerpoint/2010/main" val="550830600"/>
-              </p:ext>
-            </p:extLst>
-          </p:nvPr>
+          <p:nvPr/>
         </p:nvGraphicFramePr>
         <p:xfrm>
           <a:off x="5418668" y="2375153"/>
@@ -14565,20 +14486,8 @@
                 <a:tableStyleId>{5C22544A-7EE6-4342-B048-85BDC9FD1C3A}</a:tableStyleId>
               </a:tblPr>
               <a:tblGrid>
-                <a:gridCol w="1540934">
-                  <a:extLst>
-                    <a:ext uri="{9D8B030D-6E8A-4147-A177-3AD203B41FA5}">
-                      <a16:colId xmlns:a16="http://schemas.microsoft.com/office/drawing/2014/main" val="3781469593"/>
-                    </a:ext>
-                  </a:extLst>
-                </a:gridCol>
-                <a:gridCol w="1540934">
-                  <a:extLst>
-                    <a:ext uri="{9D8B030D-6E8A-4147-A177-3AD203B41FA5}">
-                      <a16:colId xmlns:a16="http://schemas.microsoft.com/office/drawing/2014/main" val="2676167547"/>
-                    </a:ext>
-                  </a:extLst>
-                </a:gridCol>
+                <a:gridCol w="1540934"/>
+                <a:gridCol w="1540934"/>
               </a:tblGrid>
               <a:tr h="370840">
                 <a:tc>
@@ -14611,11 +14520,6 @@
                   </a:txBody>
                   <a:tcPr/>
                 </a:tc>
-                <a:extLst>
-                  <a:ext uri="{0D108BD9-81ED-4DB2-BD59-A6C34878D82A}">
-                    <a16:rowId xmlns:a16="http://schemas.microsoft.com/office/drawing/2014/main" val="618569821"/>
-                  </a:ext>
-                </a:extLst>
               </a:tr>
               <a:tr h="370840">
                 <a:tc>
@@ -14648,11 +14552,6 @@
                   </a:txBody>
                   <a:tcPr/>
                 </a:tc>
-                <a:extLst>
-                  <a:ext uri="{0D108BD9-81ED-4DB2-BD59-A6C34878D82A}">
-                    <a16:rowId xmlns:a16="http://schemas.microsoft.com/office/drawing/2014/main" val="1622227849"/>
-                  </a:ext>
-                </a:extLst>
               </a:tr>
               <a:tr h="370840">
                 <a:tc>
@@ -14685,11 +14584,6 @@
                   </a:txBody>
                   <a:tcPr/>
                 </a:tc>
-                <a:extLst>
-                  <a:ext uri="{0D108BD9-81ED-4DB2-BD59-A6C34878D82A}">
-                    <a16:rowId xmlns:a16="http://schemas.microsoft.com/office/drawing/2014/main" val="408727478"/>
-                  </a:ext>
-                </a:extLst>
               </a:tr>
               <a:tr h="370840">
                 <a:tc>
@@ -14722,11 +14616,6 @@
                   </a:txBody>
                   <a:tcPr/>
                 </a:tc>
-                <a:extLst>
-                  <a:ext uri="{0D108BD9-81ED-4DB2-BD59-A6C34878D82A}">
-                    <a16:rowId xmlns:a16="http://schemas.microsoft.com/office/drawing/2014/main" val="4060661138"/>
-                  </a:ext>
-                </a:extLst>
               </a:tr>
             </a:tbl>
           </a:graphicData>
@@ -14885,6 +14774,11 @@
               </a:rPr>
               <a:t>record</a:t>
             </a:r>
+            <a:endParaRPr lang="en-US" altLang="zh-CN" b="1" dirty="0" smtClean="0">
+              <a:latin typeface="Times New Roman" panose="02020603050405020304" charset="0"/>
+              <a:ea typeface="宋体" panose="02010600030101010101" pitchFamily="2" charset="-122"/>
+              <a:cs typeface="Times New Roman" panose="02020603050405020304" charset="0"/>
+            </a:endParaRPr>
           </a:p>
           <a:p>
             <a:endParaRPr lang="en-US" altLang="zh-CN" dirty="0" smtClean="0"/>
@@ -15235,6 +15129,11 @@
               </a:rPr>
               <a:t>proto:</a:t>
             </a:r>
+            <a:endParaRPr lang="en-US" altLang="zh-CN" b="1" dirty="0" smtClean="0">
+              <a:latin typeface="Times New Roman" panose="02020603050405020304" charset="0"/>
+              <a:ea typeface="宋体" panose="02010600030101010101" pitchFamily="2" charset="-122"/>
+              <a:cs typeface="Times New Roman" panose="02020603050405020304" charset="0"/>
+            </a:endParaRPr>
           </a:p>
           <a:p>
             <a:r>
@@ -15292,6 +15191,11 @@
               </a:rPr>
               <a:t>        int type;</a:t>
             </a:r>
+            <a:endParaRPr lang="en-US" altLang="zh-CN" b="1" dirty="0">
+              <a:latin typeface="Times New Roman" panose="02020603050405020304" charset="0"/>
+              <a:ea typeface="宋体" panose="02010600030101010101" pitchFamily="2" charset="-122"/>
+              <a:cs typeface="Times New Roman" panose="02020603050405020304" charset="0"/>
+            </a:endParaRPr>
           </a:p>
           <a:p>
             <a:pPr indent="457200"/>
@@ -15327,6 +15231,11 @@
               </a:rPr>
               <a:t>char data[SIZE];</a:t>
             </a:r>
+            <a:endParaRPr lang="en-US" altLang="zh-CN" b="1" dirty="0">
+              <a:latin typeface="Times New Roman" panose="02020603050405020304" charset="0"/>
+              <a:ea typeface="宋体" panose="02010600030101010101" pitchFamily="2" charset="-122"/>
+              <a:cs typeface="Times New Roman" panose="02020603050405020304" charset="0"/>
+            </a:endParaRPr>
           </a:p>
           <a:p>
             <a:pPr indent="457200"/>
@@ -15338,6 +15247,11 @@
               </a:rPr>
               <a:t>// password or word</a:t>
             </a:r>
+            <a:endParaRPr lang="en-US" altLang="zh-CN" b="1" dirty="0">
+              <a:latin typeface="Times New Roman" panose="02020603050405020304" charset="0"/>
+              <a:ea typeface="宋体" panose="02010600030101010101" pitchFamily="2" charset="-122"/>
+              <a:cs typeface="Times New Roman" panose="02020603050405020304" charset="0"/>
+            </a:endParaRPr>
           </a:p>
           <a:p>
             <a:r>
@@ -15348,6 +15262,11 @@
               </a:rPr>
               <a:t>} MSG;</a:t>
             </a:r>
+            <a:endParaRPr lang="en-US" altLang="zh-CN" b="1" dirty="0">
+              <a:latin typeface="Times New Roman" panose="02020603050405020304" charset="0"/>
+              <a:ea typeface="宋体" panose="02010600030101010101" pitchFamily="2" charset="-122"/>
+              <a:cs typeface="Times New Roman" panose="02020603050405020304" charset="0"/>
+            </a:endParaRPr>
           </a:p>
           <a:p>
             <a:r>
@@ -15358,6 +15277,11 @@
               </a:rPr>
               <a:t>--------------------------------</a:t>
             </a:r>
+            <a:endParaRPr lang="en-US" altLang="zh-CN" b="1" dirty="0">
+              <a:latin typeface="Times New Roman" panose="02020603050405020304" charset="0"/>
+              <a:ea typeface="宋体" panose="02010600030101010101" pitchFamily="2" charset="-122"/>
+              <a:cs typeface="Times New Roman" panose="02020603050405020304" charset="0"/>
+            </a:endParaRPr>
           </a:p>
         </p:txBody>
       </p:sp>
@@ -15424,6 +15348,11 @@
               </a:rPr>
               <a:t>1.register</a:t>
             </a:r>
+            <a:endParaRPr lang="en-US" altLang="zh-CN" b="1" dirty="0">
+              <a:latin typeface="Times New Roman" panose="02020603050405020304" charset="0"/>
+              <a:ea typeface="宋体" panose="02010600030101010101" pitchFamily="2" charset="-122"/>
+              <a:cs typeface="Times New Roman" panose="02020603050405020304" charset="0"/>
+            </a:endParaRPr>
           </a:p>
           <a:p>
             <a:r>
@@ -15434,6 +15363,11 @@
               </a:rPr>
               <a:t>2.login</a:t>
             </a:r>
+            <a:endParaRPr lang="en-US" altLang="zh-CN" b="1" dirty="0">
+              <a:latin typeface="Times New Roman" panose="02020603050405020304" charset="0"/>
+              <a:ea typeface="宋体" panose="02010600030101010101" pitchFamily="2" charset="-122"/>
+              <a:cs typeface="Times New Roman" panose="02020603050405020304" charset="0"/>
+            </a:endParaRPr>
           </a:p>
           <a:p>
             <a:r>
@@ -15444,6 +15378,11 @@
               </a:rPr>
               <a:t>3.quit</a:t>
             </a:r>
+            <a:endParaRPr lang="en-US" altLang="zh-CN" b="1" dirty="0" smtClean="0">
+              <a:latin typeface="Times New Roman" panose="02020603050405020304" charset="0"/>
+              <a:ea typeface="宋体" panose="02010600030101010101" pitchFamily="2" charset="-122"/>
+              <a:cs typeface="Times New Roman" panose="02020603050405020304" charset="0"/>
+            </a:endParaRPr>
           </a:p>
           <a:p>
             <a:r>
@@ -15712,6 +15651,11 @@
               </a:rPr>
               <a:t>1.add_friend</a:t>
             </a:r>
+            <a:endParaRPr lang="en-US" altLang="zh-CN" b="1" dirty="0">
+              <a:latin typeface="Times New Roman" panose="02020603050405020304" charset="0"/>
+              <a:ea typeface="宋体" panose="02010600030101010101" pitchFamily="2" charset="-122"/>
+              <a:cs typeface="Times New Roman" panose="02020603050405020304" charset="0"/>
+            </a:endParaRPr>
           </a:p>
           <a:p>
             <a:r>
@@ -15767,6 +15711,11 @@
               </a:rPr>
               <a:t>5.query_chat_record</a:t>
             </a:r>
+            <a:endParaRPr lang="en-US" altLang="zh-CN" b="1" dirty="0">
+              <a:latin typeface="Times New Roman" panose="02020603050405020304" charset="0"/>
+              <a:ea typeface="宋体" panose="02010600030101010101" pitchFamily="2" charset="-122"/>
+              <a:cs typeface="Times New Roman" panose="02020603050405020304" charset="0"/>
+            </a:endParaRPr>
           </a:p>
           <a:p>
             <a:r>
@@ -15777,6 +15726,11 @@
               </a:rPr>
               <a:t>6.delete_chat_record</a:t>
             </a:r>
+            <a:endParaRPr lang="en-US" altLang="zh-CN" b="1" dirty="0">
+              <a:latin typeface="Times New Roman" panose="02020603050405020304" charset="0"/>
+              <a:ea typeface="宋体" panose="02010600030101010101" pitchFamily="2" charset="-122"/>
+              <a:cs typeface="Times New Roman" panose="02020603050405020304" charset="0"/>
+            </a:endParaRPr>
           </a:p>
           <a:p>
             <a:r>
@@ -15787,6 +15741,11 @@
               </a:rPr>
               <a:t>7.quit</a:t>
             </a:r>
+            <a:endParaRPr lang="en-US" altLang="zh-CN" b="1" dirty="0">
+              <a:latin typeface="Times New Roman" panose="02020603050405020304" charset="0"/>
+              <a:ea typeface="宋体" panose="02010600030101010101" pitchFamily="2" charset="-122"/>
+              <a:cs typeface="Times New Roman" panose="02020603050405020304" charset="0"/>
+            </a:endParaRPr>
           </a:p>
         </p:txBody>
       </p:sp>
@@ -15820,6 +15779,11 @@
               </a:rPr>
               <a:t>login ok!</a:t>
             </a:r>
+            <a:endParaRPr lang="en-US" altLang="zh-CN" b="1" dirty="0">
+              <a:latin typeface="Times New Roman" panose="02020603050405020304" charset="0"/>
+              <a:ea typeface="宋体" panose="02010600030101010101" pitchFamily="2" charset="-122"/>
+              <a:cs typeface="Times New Roman" panose="02020603050405020304" charset="0"/>
+            </a:endParaRPr>
           </a:p>
         </p:txBody>
       </p:sp>
@@ -15869,6 +15833,11 @@
               </a:rPr>
               <a:t>{</a:t>
             </a:r>
+            <a:endParaRPr lang="en-US" altLang="zh-CN" b="1" dirty="0" smtClean="0">
+              <a:latin typeface="Times New Roman" panose="02020603050405020304" charset="0"/>
+              <a:ea typeface="宋体" panose="02010600030101010101" pitchFamily="2" charset="-122"/>
+              <a:cs typeface="Times New Roman" panose="02020603050405020304" charset="0"/>
+            </a:endParaRPr>
           </a:p>
           <a:p>
             <a:r>
@@ -15879,6 +15848,11 @@
               </a:rPr>
               <a:t>    R = 1,    </a:t>
             </a:r>
+            <a:endParaRPr lang="en-US" altLang="zh-CN" b="1" dirty="0" smtClean="0">
+              <a:latin typeface="Times New Roman" panose="02020603050405020304" charset="0"/>
+              <a:ea typeface="宋体" panose="02010600030101010101" pitchFamily="2" charset="-122"/>
+              <a:cs typeface="Times New Roman" panose="02020603050405020304" charset="0"/>
+            </a:endParaRPr>
           </a:p>
           <a:p>
             <a:r>
@@ -15889,6 +15863,11 @@
               </a:rPr>
               <a:t>    L,          </a:t>
             </a:r>
+            <a:endParaRPr lang="en-US" altLang="zh-CN" b="1" dirty="0" smtClean="0">
+              <a:latin typeface="Times New Roman" panose="02020603050405020304" charset="0"/>
+              <a:ea typeface="宋体" panose="02010600030101010101" pitchFamily="2" charset="-122"/>
+              <a:cs typeface="Times New Roman" panose="02020603050405020304" charset="0"/>
+            </a:endParaRPr>
           </a:p>
           <a:p>
             <a:r>
@@ -15914,6 +15893,11 @@
               </a:rPr>
               <a:t>    A,        </a:t>
             </a:r>
+            <a:endParaRPr lang="en-US" altLang="zh-CN" b="1" dirty="0">
+              <a:latin typeface="Times New Roman" panose="02020603050405020304" charset="0"/>
+              <a:ea typeface="宋体" panose="02010600030101010101" pitchFamily="2" charset="-122"/>
+              <a:cs typeface="Times New Roman" panose="02020603050405020304" charset="0"/>
+            </a:endParaRPr>
           </a:p>
           <a:p>
             <a:r>
@@ -15924,6 +15908,11 @@
               </a:rPr>
               <a:t>    Q,      </a:t>
             </a:r>
+            <a:endParaRPr lang="en-US" altLang="zh-CN" b="1" dirty="0">
+              <a:latin typeface="Times New Roman" panose="02020603050405020304" charset="0"/>
+              <a:ea typeface="宋体" panose="02010600030101010101" pitchFamily="2" charset="-122"/>
+              <a:cs typeface="Times New Roman" panose="02020603050405020304" charset="0"/>
+            </a:endParaRPr>
           </a:p>
           <a:p>
             <a:r>
@@ -15934,6 +15923,11 @@
               </a:rPr>
               <a:t>    D,        </a:t>
             </a:r>
+            <a:endParaRPr lang="en-US" altLang="zh-CN" b="1" dirty="0">
+              <a:latin typeface="Times New Roman" panose="02020603050405020304" charset="0"/>
+              <a:ea typeface="宋体" panose="02010600030101010101" pitchFamily="2" charset="-122"/>
+              <a:cs typeface="Times New Roman" panose="02020603050405020304" charset="0"/>
+            </a:endParaRPr>
           </a:p>
           <a:p>
             <a:r>
@@ -15944,6 +15938,11 @@
               </a:rPr>
               <a:t>    C,        </a:t>
             </a:r>
+            <a:endParaRPr lang="en-US" altLang="zh-CN" b="1" dirty="0">
+              <a:latin typeface="Times New Roman" panose="02020603050405020304" charset="0"/>
+              <a:ea typeface="宋体" panose="02010600030101010101" pitchFamily="2" charset="-122"/>
+              <a:cs typeface="Times New Roman" panose="02020603050405020304" charset="0"/>
+            </a:endParaRPr>
           </a:p>
           <a:p>
             <a:r>
@@ -15954,6 +15953,11 @@
               </a:rPr>
               <a:t>    S,        </a:t>
             </a:r>
+            <a:endParaRPr lang="en-US" altLang="zh-CN" b="1" dirty="0">
+              <a:latin typeface="Times New Roman" panose="02020603050405020304" charset="0"/>
+              <a:ea typeface="宋体" panose="02010600030101010101" pitchFamily="2" charset="-122"/>
+              <a:cs typeface="Times New Roman" panose="02020603050405020304" charset="0"/>
+            </a:endParaRPr>
           </a:p>
           <a:p>
             <a:r>
@@ -15964,6 +15968,11 @@
               </a:rPr>
               <a:t>    F,          </a:t>
             </a:r>
+            <a:endParaRPr lang="en-US" altLang="zh-CN" b="1" dirty="0">
+              <a:latin typeface="Times New Roman" panose="02020603050405020304" charset="0"/>
+              <a:ea typeface="宋体" panose="02010600030101010101" pitchFamily="2" charset="-122"/>
+              <a:cs typeface="Times New Roman" panose="02020603050405020304" charset="0"/>
+            </a:endParaRPr>
           </a:p>
           <a:p>
             <a:r>
@@ -15974,6 +15983,11 @@
               </a:rPr>
               <a:t>    E,          </a:t>
             </a:r>
+            <a:endParaRPr lang="en-US" altLang="zh-CN" b="1" dirty="0">
+              <a:latin typeface="Times New Roman" panose="02020603050405020304" charset="0"/>
+              <a:ea typeface="宋体" panose="02010600030101010101" pitchFamily="2" charset="-122"/>
+              <a:cs typeface="Times New Roman" panose="02020603050405020304" charset="0"/>
+            </a:endParaRPr>
           </a:p>
           <a:p>
             <a:r>
@@ -16039,6 +16053,13 @@
               </a:rPr>
               <a:t>client</a:t>
             </a:r>
+            <a:endParaRPr lang="en-US" altLang="zh-CN" sz="2800" b="1" dirty="0">
+              <a:solidFill>
+                <a:srgbClr val="FF0000"/>
+              </a:solidFill>
+              <a:latin typeface="Times New Roman" panose="02020603050405020304" charset="0"/>
+              <a:cs typeface="Times New Roman" panose="02020603050405020304" charset="0"/>
+            </a:endParaRPr>
           </a:p>
         </p:txBody>
       </p:sp>
@@ -16553,6 +16574,11 @@
               </a:rPr>
               <a:t>: user - register</a:t>
             </a:r>
+            <a:endParaRPr lang="en-US" altLang="zh-CN" b="1" dirty="0">
+              <a:latin typeface="Times New Roman" panose="02020603050405020304" charset="0"/>
+              <a:ea typeface="宋体" panose="02010600030101010101" pitchFamily="2" charset="-122"/>
+              <a:cs typeface="Times New Roman" panose="02020603050405020304" charset="0"/>
+            </a:endParaRPr>
           </a:p>
           <a:p>
             <a:r>
@@ -16571,6 +16597,11 @@
               </a:rPr>
               <a:t>: user - login</a:t>
             </a:r>
+            <a:endParaRPr lang="en-US" altLang="zh-CN" b="1" dirty="0">
+              <a:latin typeface="Times New Roman" panose="02020603050405020304" charset="0"/>
+              <a:ea typeface="宋体" panose="02010600030101010101" pitchFamily="2" charset="-122"/>
+              <a:cs typeface="Times New Roman" panose="02020603050405020304" charset="0"/>
+            </a:endParaRPr>
           </a:p>
           <a:p>
             <a:r>
@@ -16589,6 +16620,11 @@
               </a:rPr>
               <a:t>: user - logout</a:t>
             </a:r>
+            <a:endParaRPr lang="en-US" altLang="zh-CN" b="1" dirty="0">
+              <a:latin typeface="Times New Roman" panose="02020603050405020304" charset="0"/>
+              <a:ea typeface="宋体" panose="02010600030101010101" pitchFamily="2" charset="-122"/>
+              <a:cs typeface="Times New Roman" panose="02020603050405020304" charset="0"/>
+            </a:endParaRPr>
           </a:p>
           <a:p>
             <a:r>
@@ -16607,6 +16643,11 @@
               </a:rPr>
               <a:t>: user - add friend</a:t>
             </a:r>
+            <a:endParaRPr lang="en-US" altLang="zh-CN" b="1" dirty="0">
+              <a:latin typeface="Times New Roman" panose="02020603050405020304" charset="0"/>
+              <a:ea typeface="宋体" panose="02010600030101010101" pitchFamily="2" charset="-122"/>
+              <a:cs typeface="Times New Roman" panose="02020603050405020304" charset="0"/>
+            </a:endParaRPr>
           </a:p>
           <a:p>
             <a:r>
@@ -16656,6 +16697,11 @@
               </a:rPr>
               <a:t>: user - delete friend</a:t>
             </a:r>
+            <a:endParaRPr lang="en-US" altLang="zh-CN" b="1" dirty="0">
+              <a:latin typeface="Times New Roman" panose="02020603050405020304" charset="0"/>
+              <a:ea typeface="宋体" panose="02010600030101010101" pitchFamily="2" charset="-122"/>
+              <a:cs typeface="Times New Roman" panose="02020603050405020304" charset="0"/>
+            </a:endParaRPr>
           </a:p>
           <a:p>
             <a:r>
@@ -16674,6 +16720,11 @@
               </a:rPr>
               <a:t>: user - choose friend chat box</a:t>
             </a:r>
+            <a:endParaRPr lang="en-US" altLang="zh-CN" b="1" dirty="0">
+              <a:latin typeface="Times New Roman" panose="02020603050405020304" charset="0"/>
+              <a:ea typeface="宋体" panose="02010600030101010101" pitchFamily="2" charset="-122"/>
+              <a:cs typeface="Times New Roman" panose="02020603050405020304" charset="0"/>
+            </a:endParaRPr>
           </a:p>
           <a:p>
             <a:r>
@@ -16708,6 +16759,11 @@
               </a:rPr>
               <a:t> to friend</a:t>
             </a:r>
+            <a:endParaRPr lang="en-US" altLang="zh-CN" b="1" dirty="0">
+              <a:latin typeface="Times New Roman" panose="02020603050405020304" charset="0"/>
+              <a:ea typeface="宋体" panose="02010600030101010101" pitchFamily="2" charset="-122"/>
+              <a:cs typeface="Times New Roman" panose="02020603050405020304" charset="0"/>
+            </a:endParaRPr>
           </a:p>
           <a:p>
             <a:r>
@@ -16726,6 +16782,11 @@
               </a:rPr>
               <a:t>: user - send file to friend</a:t>
             </a:r>
+            <a:endParaRPr lang="en-US" altLang="zh-CN" b="1" dirty="0">
+              <a:latin typeface="Times New Roman" panose="02020603050405020304" charset="0"/>
+              <a:ea typeface="宋体" panose="02010600030101010101" pitchFamily="2" charset="-122"/>
+              <a:cs typeface="Times New Roman" panose="02020603050405020304" charset="0"/>
+            </a:endParaRPr>
           </a:p>
           <a:p>
             <a:r>
@@ -16744,6 +16805,11 @@
               </a:rPr>
               <a:t>: user - query chat record</a:t>
             </a:r>
+            <a:endParaRPr lang="en-US" altLang="zh-CN" b="1" dirty="0">
+              <a:latin typeface="Times New Roman" panose="02020603050405020304" charset="0"/>
+              <a:ea typeface="宋体" panose="02010600030101010101" pitchFamily="2" charset="-122"/>
+              <a:cs typeface="Times New Roman" panose="02020603050405020304" charset="0"/>
+            </a:endParaRPr>
           </a:p>
           <a:p>
             <a:r>
@@ -16770,6 +16836,11 @@
               </a:rPr>
               <a:t>record</a:t>
             </a:r>
+            <a:endParaRPr lang="en-US" altLang="zh-CN" b="1" dirty="0" smtClean="0">
+              <a:latin typeface="Times New Roman" panose="02020603050405020304" charset="0"/>
+              <a:ea typeface="宋体" panose="02010600030101010101" pitchFamily="2" charset="-122"/>
+              <a:cs typeface="Times New Roman" panose="02020603050405020304" charset="0"/>
+            </a:endParaRPr>
           </a:p>
         </p:txBody>
       </p:sp>
@@ -17003,6 +17074,11 @@
               </a:rPr>
               <a:t>while (1) </a:t>
             </a:r>
+            <a:endParaRPr lang="en-US" altLang="zh-CN" b="1" dirty="0" smtClean="0">
+              <a:latin typeface="Times New Roman" panose="02020603050405020304" charset="0"/>
+              <a:ea typeface="宋体" panose="02010600030101010101" pitchFamily="2" charset="-122"/>
+              <a:cs typeface="Times New Roman" panose="02020603050405020304" charset="0"/>
+            </a:endParaRPr>
           </a:p>
           <a:p>
             <a:r>
@@ -17061,6 +17137,11 @@
               </a:rPr>
               <a:t>)</a:t>
             </a:r>
+            <a:endParaRPr lang="en-US" altLang="zh-CN" b="1" dirty="0">
+              <a:latin typeface="Times New Roman" panose="02020603050405020304" charset="0"/>
+              <a:ea typeface="宋体" panose="02010600030101010101" pitchFamily="2" charset="-122"/>
+              <a:cs typeface="Times New Roman" panose="02020603050405020304" charset="0"/>
+            </a:endParaRPr>
           </a:p>
           <a:p>
             <a:r>
@@ -17095,6 +17176,11 @@
               </a:rPr>
               <a:t>)</a:t>
             </a:r>
+            <a:endParaRPr lang="en-US" altLang="zh-CN" b="1" dirty="0">
+              <a:latin typeface="Times New Roman" panose="02020603050405020304" charset="0"/>
+              <a:ea typeface="宋体" panose="02010600030101010101" pitchFamily="2" charset="-122"/>
+              <a:cs typeface="Times New Roman" panose="02020603050405020304" charset="0"/>
+            </a:endParaRPr>
           </a:p>
           <a:p>
             <a:r>
@@ -17518,6 +17604,11 @@
               </a:rPr>
               <a:t>)</a:t>
             </a:r>
+            <a:endParaRPr lang="en-US" altLang="zh-CN" b="1" dirty="0" smtClean="0">
+              <a:latin typeface="Times New Roman" panose="02020603050405020304" charset="0"/>
+              <a:ea typeface="宋体" panose="02010600030101010101" pitchFamily="2" charset="-122"/>
+              <a:cs typeface="Times New Roman" panose="02020603050405020304" charset="0"/>
+            </a:endParaRPr>
           </a:p>
           <a:p>
             <a:r>
@@ -17543,6 +17634,11 @@
               </a:rPr>
               <a:t>        accept</a:t>
             </a:r>
+            <a:endParaRPr lang="en-US" altLang="zh-CN" b="1" dirty="0">
+              <a:latin typeface="Times New Roman" panose="02020603050405020304" charset="0"/>
+              <a:ea typeface="宋体" panose="02010600030101010101" pitchFamily="2" charset="-122"/>
+              <a:cs typeface="Times New Roman" panose="02020603050405020304" charset="0"/>
+            </a:endParaRPr>
           </a:p>
           <a:p>
             <a:pPr indent="457200"/>
@@ -17577,6 +17673,11 @@
               </a:rPr>
               <a:t>}</a:t>
             </a:r>
+            <a:endParaRPr lang="en-US" altLang="zh-CN" b="1" dirty="0">
+              <a:latin typeface="Times New Roman" panose="02020603050405020304" charset="0"/>
+              <a:ea typeface="宋体" panose="02010600030101010101" pitchFamily="2" charset="-122"/>
+              <a:cs typeface="Times New Roman" panose="02020603050405020304" charset="0"/>
+            </a:endParaRPr>
           </a:p>
         </p:txBody>
       </p:sp>
@@ -17685,6 +17786,11 @@
               </a:rPr>
               <a:t>while (1)</a:t>
             </a:r>
+            <a:endParaRPr lang="en-US" altLang="zh-CN" b="1" dirty="0" smtClean="0">
+              <a:latin typeface="Times New Roman" panose="02020603050405020304" charset="0"/>
+              <a:ea typeface="宋体" panose="02010600030101010101" pitchFamily="2" charset="-122"/>
+              <a:cs typeface="Times New Roman" panose="02020603050405020304" charset="0"/>
+            </a:endParaRPr>
           </a:p>
           <a:p>
             <a:r>
@@ -17735,6 +17841,11 @@
               </a:rPr>
               <a:t>)</a:t>
             </a:r>
+            <a:endParaRPr lang="en-US" altLang="zh-CN" b="1" dirty="0" smtClean="0">
+              <a:latin typeface="Times New Roman" panose="02020603050405020304" charset="0"/>
+              <a:ea typeface="宋体" panose="02010600030101010101" pitchFamily="2" charset="-122"/>
+              <a:cs typeface="Times New Roman" panose="02020603050405020304" charset="0"/>
+            </a:endParaRPr>
           </a:p>
           <a:p>
             <a:r>
@@ -17761,6 +17872,11 @@
               </a:rPr>
               <a:t>)</a:t>
             </a:r>
+            <a:endParaRPr lang="en-US" altLang="zh-CN" b="1" dirty="0" smtClean="0">
+              <a:latin typeface="Times New Roman" panose="02020603050405020304" charset="0"/>
+              <a:ea typeface="宋体" panose="02010600030101010101" pitchFamily="2" charset="-122"/>
+              <a:cs typeface="Times New Roman" panose="02020603050405020304" charset="0"/>
+            </a:endParaRPr>
           </a:p>
           <a:p>
             <a:r>
@@ -17802,6 +17918,11 @@
               </a:rPr>
               <a:t>R: register</a:t>
             </a:r>
+            <a:endParaRPr lang="en-US" altLang="zh-CN" b="1" dirty="0">
+              <a:latin typeface="Times New Roman" panose="02020603050405020304" charset="0"/>
+              <a:ea typeface="宋体" panose="02010600030101010101" pitchFamily="2" charset="-122"/>
+              <a:cs typeface="Times New Roman" panose="02020603050405020304" charset="0"/>
+            </a:endParaRPr>
           </a:p>
           <a:p>
             <a:r>
@@ -17852,6 +17973,11 @@
               </a:rPr>
               <a:t>	……</a:t>
             </a:r>
+            <a:endParaRPr lang="en-US" altLang="zh-CN" b="1" dirty="0" smtClean="0">
+              <a:latin typeface="Times New Roman" panose="02020603050405020304" charset="0"/>
+              <a:ea typeface="宋体" panose="02010600030101010101" pitchFamily="2" charset="-122"/>
+              <a:cs typeface="Times New Roman" panose="02020603050405020304" charset="0"/>
+            </a:endParaRPr>
           </a:p>
           <a:p>
             <a:r>
@@ -17886,6 +18012,11 @@
               </a:rPr>
               <a:t>        }</a:t>
             </a:r>
+            <a:endParaRPr lang="en-US" altLang="zh-CN" b="1" dirty="0" smtClean="0">
+              <a:latin typeface="Times New Roman" panose="02020603050405020304" charset="0"/>
+              <a:ea typeface="宋体" panose="02010600030101010101" pitchFamily="2" charset="-122"/>
+              <a:cs typeface="Times New Roman" panose="02020603050405020304" charset="0"/>
+            </a:endParaRPr>
           </a:p>
         </p:txBody>
       </p:sp>
@@ -17921,6 +18052,13 @@
               </a:rPr>
               <a:t>server</a:t>
             </a:r>
+            <a:endParaRPr lang="en-US" altLang="zh-CN" sz="2800" b="1" dirty="0">
+              <a:solidFill>
+                <a:srgbClr val="FF0000"/>
+              </a:solidFill>
+              <a:latin typeface="Times New Roman" panose="02020603050405020304" charset="0"/>
+              <a:cs typeface="Times New Roman" panose="02020603050405020304" charset="0"/>
+            </a:endParaRPr>
           </a:p>
         </p:txBody>
       </p:sp>
@@ -17997,6 +18135,11 @@
               </a:rPr>
               <a:t>database</a:t>
             </a:r>
+            <a:endParaRPr lang="en-US" altLang="zh-CN" b="1" dirty="0" smtClean="0">
+              <a:latin typeface="Times New Roman" panose="02020603050405020304" charset="0"/>
+              <a:ea typeface="宋体" panose="02010600030101010101" pitchFamily="2" charset="-122"/>
+              <a:cs typeface="Times New Roman" panose="02020603050405020304" charset="0"/>
+            </a:endParaRPr>
           </a:p>
           <a:p>
             <a:pPr algn="ctr"/>
@@ -20152,7 +20295,7 @@
 </file>
 
 <file path=ppt/tags/tag1.xml><?xml version="1.0" encoding="utf-8"?>
-<p:tagLst xmlns:a="http://schemas.openxmlformats.org/drawingml/2006/main" xmlns:r="http://schemas.openxmlformats.org/officeDocument/2006/relationships" xmlns:p="http://schemas.openxmlformats.org/presentationml/2006/main">
+<p:tagLst xmlns:p="http://schemas.openxmlformats.org/presentationml/2006/main">
   <p:tag name="COMMONDATA" val="eyJoZGlkIjoiNTUxOTU1NjRjNzdmOTM0ZjdkNGRmZTNjOWI5M2RhZGIifQ=="/>
 </p:tagLst>
 </file>
@@ -20400,8 +20543,6 @@
       </a:bgFillStyleLst>
     </a:fmtScheme>
   </a:themeElements>
-  <a:objectDefaults/>
-  <a:extraClrSchemeLst/>
   <a:extLst>
     <a:ext uri="{05A4C25C-085E-4340-85A3-A5531E510DB2}">
       <thm15:themeFamily xmlns:thm15="http://schemas.microsoft.com/office/thememl/2012/main" name="Office Theme" id="{62F939B6-93AF-4DB8-9C6B-D6C7DFDC589F}" vid="{4A3C46E8-61CC-4603-A589-7422A47A8E4A}"/>
